--- a/0909_수업정리.pptx
+++ b/0909_수업정리.pptx
@@ -11,6 +11,10 @@
     <p:sldId id="259" r:id="rId5"/>
     <p:sldId id="260" r:id="rId6"/>
     <p:sldId id="261" r:id="rId7"/>
+    <p:sldId id="262" r:id="rId8"/>
+    <p:sldId id="263" r:id="rId9"/>
+    <p:sldId id="264" r:id="rId10"/>
+    <p:sldId id="267" r:id="rId11"/>
   </p:sldIdLst>
   <p:sldSz cx="12192000" cy="6858000"/>
   <p:notesSz cx="6858000" cy="9144000"/>
@@ -109,6 +113,11 @@
       </a:defRPr>
     </a:lvl9pPr>
   </p:defaultTextStyle>
+  <p:extLst>
+    <p:ext uri="{EFAFB233-063F-42B5-8137-9DF3F51BA10A}">
+      <p15:sldGuideLst xmlns:p15="http://schemas.microsoft.com/office/powerpoint/2012/main"/>
+    </p:ext>
+  </p:extLst>
 </p:presentation>
 </file>
 
@@ -168,7 +177,7 @@
   <inkml:trace contextRef="#ctx0" brushRef="#br0" timeOffset="1296.46">4228 9318 0,'0'0'16,"25"-4"-16,23-5 15,29-9 1,25-3-16,17-6 16,20 3-16,22-3 15,7 3 1,4 2-16,6 4 15,16-2 1,8-1-16,15 3 16,4 3-16,0 4 15,-8 4 1,-18 2-16,-2 5 16,0 5-1,-10 8-15,-14 7 16,-26 7-16,-22 5 15,-23-1 1,-10 2-16,-13 5 16,-7 2-1,-3 5-15,-7 7 16,-9 2-16,-12-6 16,-1 4-1,-4 6-15,-8 9 16,-4 4-1,5 29-15,-4 17 16,-2 2-16,-1 3 16,2-6-1,-4 5-15,-1 4 16,-4 5 0,-1 1-16,1 4 15,-2 1-15,-4 14 16,-3-7-1,-2-3-15,-2-3 16,-3-6 0,5-10-16,5-7 15,3-16-15,-1-1 16,-2-11 0,-3-6-16,-7-7 15,-2-14 1,-3-2-16,-4-1 15,-2-3-15,-5-6 16,-5-4 0,-5-8-16,-6-5 15,-4-11 1,-6-7-16,-7-3 16,-5-7-16,-4-4 15,-8-5 1,1 3-16,-6-6 15,-24 4 1,-15-6-16,-8 6 16,-5 1-16,9 5 15,-2 3 1,2-3-16,-8 2 16,-3 0-1,-7 1-15,-8 3 16,1 1-16,-2 1 15,-2 0 1,-1-4-16,-1-2 16,-3-2-1,2-4-15,-4-1 16,4 3-16,0-1 16,-2 3-1,3 3-15,3-1 16,1 3-1,8 2-15,3 1 16,19 1-16,6-4 16,13-3-1,11-2-15,20-2 16,66 2 0,-48-5-16,48 5 15,-32-5-15,16 4 16</inkml:trace>
   <inkml:trace contextRef="#ctx0" brushRef="#br0" timeOffset="2202.6">5572 12739 0,'0'0'16,"0"0"-16,0 0 16,-4 22-16,1 25 15,-4 30 1,-2 25-16,3 14 16,4 7-1,-6 11-15,4 4 16,-1 1-16,1-1 15,4-6 1,-3-5-16,3-9 16,3-10-1,6-15-15,9-14 16,7-21-16,1-22 16,8-14-1,8-11-15,7-9 16,8-6-1,3-1-15,3-1 16,3 1-16,8 5 16,20 0-1,4 7-15,6 2 16,-8 0 0,-3 5-16,-12 1 15,-3 3-15,-10 2 16,-13-2-1,-11 0 1,-44-18-16,41 18 16,-41-18-16,0 0 15,37 11-15,-3-11 16,-14-16 0,-4-11-16,-4-13 15,-4-23 1,-2-12-16,1-39 15,-4-28-15,-8-18 16,-4 3 0,-4 24-16,-4 19 15,0 8 1,-1 8-16,2 9 16,5 15-16,11 74 15,-8-60 1,8 60-16,-9-47 15,-5 11 1</inkml:trace>
   <inkml:trace contextRef="#ctx0" brushRef="#br0" timeOffset="3046.05">5236 13529 0,'-28'32'0,"-13"15"16,-12 22-1,-10 25-15,-8 29 16,-1 22-16,11 20 16,17 2-1,13 3-15,8 5 16,12-8 0,13-8-16,10-12 15,6-13-15,11-13 16,6-11-1,10-14-15,8-9 16,12-6 0,11-10-16,8-9 15,11-6-15,12-9 16,14-4 0,6-10-16,4-9 15,7-10 1,10-5-16,-6-7 15,1-8-15,3-11 16,-2-6 0,-1-11-16,-3-9 15,2-11 1,-8-10-16,-4-10 16,-9-9-16,-6-9 15,-9-6 1,-12-5-16,-12-1 15,-10 1 1,-7-9-16,-8-6 16,-8-2-16,-6-4 15,-11 4 1,-15-1-16,-17 7 16,-17 15-1,-21 11-15,-16 5 16,-15 9-1,-10 9-15,-10 9 16,-7 9-16,-11 11 16,0 10-1,-8 14 1,0 10-16,-4 13 0,3 12 16,8 13-1,16 10-15,12 8 16</inkml:trace>
-  <inkml:trace contextRef="#ctx0" brushRef="#br0" timeOffset="4967.47">9424 9233 0,'0'0'16,"0"0"-1,0 0-15,-6 20 16,-4 24 0,-9 28-16,-8 22 15,-5 24-15,1 29 16,-4 33 0,1 25-16,5 22 15,4 29 1,3 3-16,-2 11 15,5 9-15,-3 11 16,1 13 0,4 11-16,-1 9 15,4-4 1,2-6-16,12-14 16,8-16-16,4-16 15,8-26 1,7-20-16,10-25 15,4-43 1,10-19-16,10-18 16,7-20-16,13-11 15,11-18 1,4-15-16,7-10 16,7-9-16,3-5 15,12-7 1,-2-5-16,-3 0 15,-1-5 1,2-9-16,1-11 16,1-8-16,4-6 15,0-4 1,7-4-16,2-2 16,11-6-1,-5 1-15,0 7 16,-11 4-16,-8 7 15,-6 0 1,-3 2-16,-12 0 16,-1-4-1,-2-5-15,-8-4 16,-11-7 0,-11-4-16,-13-8 15,-4-12-15,-12-12 16,-11-15-1,-13-12-15,-5-21 16,-9-24 0,-4-33-16,-4-22 15,-5-18-15,9-15 16,-2-3 0,2-5-16,2-8 15,4-2 1,3-3-16,-4-2 15,2 7-15,-3 2 16,-2 8 0,-2 11-16,-9 10 15,-6 16 1,-7 31-16,-12 19 16,-4 15-16,-14 13 15,-6 16 1,-9 9-16,-12 7 15,-13 13 1,-16 6-16,-15 14 16,-15 6-16,-9 12 15,-8 6 1,-13 7-16,2 5 16,2 5-16,-1 2 15,2 5 1,1 3-16,-5 2 15,-2 3 1,-2 3-16,-2 2 16,1 9-16,2 2 15,10 11 1,11 2-16,22-1 16,26-4-1,26-2-15,20-5 16,57-13-1,-35 12-15,35-12 16,-30 11-16,7-2 16,5 6-1</inkml:trace>
+  <inkml:trace contextRef="#ctx0" brushRef="#br0" timeOffset="4967.46">9424 9233 0,'0'0'16,"0"0"-1,0 0-15,-6 20 16,-4 24 0,-9 28-16,-8 22 15,-5 24-15,1 29 16,-4 33 0,1 25-16,5 22 15,4 29 1,3 3-16,-2 11 15,5 9-15,-3 11 16,1 13 0,4 11-16,-1 9 15,4-4 1,2-6-16,12-14 16,8-16-16,4-16 15,8-26 1,7-20-16,10-25 15,4-43 1,10-19-16,10-18 16,7-20-16,13-11 15,11-18 1,4-15-16,7-10 16,7-9-16,3-5 15,12-7 1,-2-5-16,-3 0 15,-1-5 1,2-9-16,1-11 16,1-8-16,4-6 15,0-4 1,7-4-16,2-2 16,11-6-1,-5 1-15,0 7 16,-11 4-16,-8 7 15,-6 0 1,-3 2-16,-12 0 16,-1-4-1,-2-5-15,-8-4 16,-11-7 0,-11-4-16,-13-8 15,-4-12-15,-12-12 16,-11-15-1,-13-12-15,-5-21 16,-9-24 0,-4-33-16,-4-22 15,-5-18-15,9-15 16,-2-3 0,2-5-16,2-8 15,4-2 1,3-3-16,-4-2 15,2 7-15,-3 2 16,-2 8 0,-2 11-16,-9 10 15,-6 16 1,-7 31-16,-12 19 16,-4 15-16,-14 13 15,-6 16 1,-9 9-16,-12 7 15,-13 13 1,-16 6-16,-15 14 16,-15 6-16,-9 12 15,-8 6 1,-13 7-16,2 5 16,2 5-16,-1 2 15,2 5 1,1 3-16,-5 2 15,-2 3 1,-2 3-16,-2 2 16,1 9-16,2 2 15,10 11 1,11 2-16,22-1 16,26-4-1,26-2-15,20-5 16,57-13-1,-35 12-15,35-12 16,-30 11-16,7-2 16,5 6-1</inkml:trace>
   <inkml:trace contextRef="#ctx0" brushRef="#br0" timeOffset="5654.92">12908 12137 0,'0'0'0,"26"-4"16,27-5-16,29-3 15,30-1 1,-1 7-16,3 3 16,3 2-16,1 2 15,1 2 1,-1 1-16,5-2 16,4-2-1,5-6-15,9-5 16,13-5-16,-14-2 15,-10 5 1,-23-3-16,-15 7 16,-12 0-1,-8 5-15,-16 4 16,-7-3 0,-49 3-16,40 4 15,-11 6-15</inkml:trace>
   <inkml:trace contextRef="#ctx0" brushRef="#br0" timeOffset="6154.7">12890 13916 0,'0'0'0,"0"0"15,22 5-15,28-1 16,23 5 0,16 0-16,3-5 15,6-1 1,12-1-16,7-2 16,8 0-1,8 0-15,8 0 16,2 0-16,3 0 15,22 0 1,5 0-16,-15 4 16,-13-2-1,-18 1-15,-11 1 16,3 3-16,-6 1 16,-17-8-1,-12-11-15</inkml:trace>
   <inkml:trace contextRef="#ctx0" brushRef="#br0" timeOffset="6654.58">15612 10694 0,'0'0'0,"0"0"15,0 0-15,-11 23 16,-5 17 0,-6 31-16,-6 34 15,-3 31-15,-4 25 16,1 20 0,5 7-16,-2 4 15,4-1 1,8-13-16,4-8 15,4-21-15,2-19 16,4-27 0,8-21-16,6-17 15,-9-65 1,0 0-16,11 31 16,8-21-1</inkml:trace>
@@ -177,7 +186,7 @@
   <inkml:trace contextRef="#ctx0" brushRef="#br0" timeOffset="8826.04">15397 14580 0,'0'0'0,"29"0"16,25 0-16,33 0 16,25 0-1,4-7-15,5-7 16,6-4-1,9-4-15,13-5 16,-9 5 0,-8 4-16,-12 3 15,-1 1-15,-6-1 16,-12 4 0,-5 0-16,-6-7 15,-17-2-15,-10 1 16,-20-1-1,-7-9-15</inkml:trace>
   <inkml:trace contextRef="#ctx0" brushRef="#br0" timeOffset="9122.75">16328 13321 0,'0'0'0,"-13"23"16,0 10-16,-5 20 15,0 19 1,5 17-16,-5 53 16,3 65-16,-8 41 15,-8 3 1</inkml:trace>
   <inkml:trace contextRef="#ctx0" brushRef="#br0" timeOffset="22072.84">18589 13279 0,'0'0'0,"0"0"15,0 0-15,0 0 16,0 0 0,0 0-16,0 0 15,15 6-15,22 2 16,24 0-1,6-3-15,5-1 16,6-2 0,17 1-16,-1-3 15,-4-3-15,-5-3 16,-14-3 0,-71 9-16,54-9 15,-54 9 1,0 0-16,33-5 15,-23 10-15,-20 2 16</inkml:trace>
-  <inkml:trace contextRef="#ctx0" brushRef="#br0" timeOffset="22432.13">18738 13264 0,'0'0'15,"0"0"-15,-13 13 16,-10 10 0,-4 12-16,1 14 15,-3 17 1,0 13-16,-8 40 16,2 33-1,13 9-15,15-7 16,12-29-1,12-22-15,10-23 16,10-13-16,9-16 16,2-12-1,9-10-15,9-7 16,13-9-16,22-10 16,13-14-1,-10-12-15,-12-8 16,-21-5-1,-30-7-15,-23-1 16</inkml:trace>
+  <inkml:trace contextRef="#ctx0" brushRef="#br0" timeOffset="22432.12">18738 13264 0,'0'0'15,"0"0"-15,-13 13 16,-10 10 0,-4 12-16,1 14 15,-3 17 1,0 13-16,-8 40 16,2 33-1,13 9-15,15-7 16,12-29-1,12-22-15,10-23 16,10-13-16,9-16 16,2-12-1,9-10-15,9-7 16,13-9-16,22-10 16,13-14-1,-10-12-15,-12-8 16,-21-5-1,-30-7-15,-23-1 16</inkml:trace>
   <inkml:trace contextRef="#ctx0" brushRef="#br0" timeOffset="22666.46">18471 14128 0,'0'0'0,"19"5"15,24-1-15,30-4 16,35-11 0,13-17-16,8-4 15,-6-2 1,-123 34-16,104-29 15</inkml:trace>
   <inkml:trace contextRef="#ctx0" brushRef="#br0" timeOffset="22994.5">19172 13860 0,'0'0'15,"0"0"-15,0 27 16,0 26-16,0 33 15,7 25 1,8 5-16,5 5 16,7-7-16,-27-114 15,27 87 1,0-38-16,-3-36 16,0-26-1,4-22-15,16-35 16,16-41-16,10-40 15,-3-9 1,-17 26-16,-8 24 16,-9 25-1,-10 20-15,-13 21 16</inkml:trace>
   <inkml:trace contextRef="#ctx0" brushRef="#br0" timeOffset="23978.65">19562 14110 0,'0'27'0,"0"11"16,0 5-1,9-6-15,4-10 16,9-13 0,-3-10-16,6-10 15,8-11 1,5-9-16,13-14 15,0-7-15,-10-4 16,-41 51 0,29-52-16,-16 10 15,-19 10 1,-15 21-16,-7 18 16,-6 15-16,-8 23 15,2 11 1,4 4-16,11 4 15,9-3 1,12-7-16,8-10 16,12-14-16,3-17 15,13-13 1,9-13-16,13-20 16,1-8-1,-55 41-15,57-43 16,-10 14-16,-10 13 15,-5 19 1,-14 13-16,-3 13 16,-2 11-1,3 13-15,-16-53 16,15 52-16,1-10 16,7-18-1,2-19-15,6-13 16,2-17-1,10-18-15,-4-11 16,2-10 0,2-36-16,-2-34 15,-1-38-15,-3-26 16,3-7 0,3-20-16,-1-10 15,-2 16-15,-4 18 16,0 29-1,-8 22-15,-2 19 16,-8 25 0,-18 106-16,17-78 15,-1 29-15,-12 40 16,-6 25 0,-7 22-16,-7 37 15,-12 60 1,-17 77-16,-11 81 15,11-16-15,5 0 16,11 10 0,9 7-16,8 7 15,8 1 1,8-5-16,12-11 16,9-18-16,6-24 15,3-34 1,0-47-16,-10-45 15,-24-118 1,24 78-16,-6-48 16,-16-46-16,-15-33 15</inkml:trace>
@@ -202,7 +211,7 @@
   <inkml:trace contextRef="#ctx0" brushRef="#br0" timeOffset="91726.31">14993 10314 0,'0'0'0,"0"0"16,0 0 0,2 20-16,16 19 15,14 5-15,9-8 16,8-10-1,7-9-15,9-17 16,5-18 0,14-21-16,44-32 15</inkml:trace>
   <inkml:trace contextRef="#ctx0" brushRef="#br0" timeOffset="92054.36">15533 9851 0,'0'0'16,"0"0"-16,0 0 15,0 0 1,0 0-16,19-8 16,12-12-16,11-4 15,1-4 1,-5 6-16,-7 6 15,-11 11 1,-6 6-16,-10 14 16,-8 17-16,-12 12 15,-9 21 1,-4 11-16,-8 20 16,37-96-1,-37 101-15,37-101 16,-22 65-16,6-60 15,1-37 1</inkml:trace>
   <inkml:trace contextRef="#ctx0" brushRef="#br0" timeOffset="92460.51">15962 9201 0,'0'0'16,"0"0"-1,0 0-15,0 32 16,0 32-16,0 35 16,0 29-1,4 1-15,4 3 16,5-5 0,8 7-16,3-7 15,-4-19 1,-2-24-16,-18-84 15,13 61-15,-13-61 16,0 0 0,0 0-16,6 36 15,-6-36 1,0 0-16,0 0 16,3 17-16,-3-17 15,0 0 1,0 0-16,-3 10 15,-5-6-15,-10 3 16,-8 8 0</inkml:trace>
-  <inkml:trace contextRef="#ctx0" brushRef="#br0" timeOffset="92772.94">16501 9300 0,'0'0'0,"-22"26"16,-9 11-16,-19 25 16,-17 25-1,-8 16-15,5-5 16,5-8-16,12-21 16,53-69-1,-62 63-15</inkml:trace>
+  <inkml:trace contextRef="#ctx0" brushRef="#br0" timeOffset="92772.93">16501 9300 0,'0'0'0,"-22"26"16,-9 11-16,-19 25 16,-17 25-1,-8 16-15,5-5 16,5-8-16,12-21 16,53-69-1,-62 63-15</inkml:trace>
   <inkml:trace contextRef="#ctx0" brushRef="#br0" timeOffset="92929.15">16203 9648 0,'0'0'0,"0"0"16,0 0 0,17 12-16,14 3 15,13 5 1,8-4-16,2-3 15</inkml:trace>
   <inkml:trace contextRef="#ctx0" brushRef="#br0" timeOffset="93194.71">16616 8854 0,'0'0'0,"0"0"15,0 0-15,2 21 16,11 22 0,5 26-16,0 11 15,0 35 1,-3 21-16,-6 11 16,-4-8-16,-3-21 15,0-24 1,-2-18-16,-2-16 15,-5-20 1</inkml:trace>
   <inkml:trace contextRef="#ctx0" brushRef="#br0" timeOffset="93382.17">16343 9978 0,'0'0'0,"0"0"16,0 0-16,0 0 15,11 19 1,13 10-16,14 18 16,10-2-1,4-3-15,11-6 16,5-16-16,-6-20 16</inkml:trace>
@@ -218,7 +227,7 @@
   <inkml:trace contextRef="#ctx0" brushRef="#br0" timeOffset="107082.09">20807 9268 0,'0'0'16,"0"0"-16,13 22 16,8 19-16,6 31 15,-3 37 1,-8 39-16,-25 32 15,-36 40-15,-51 56 16,-25 13-16</inkml:trace>
   <inkml:trace contextRef="#ctx0" brushRef="#br0" timeOffset="115626.96">19578 10790 0,'0'0'0,"-29"16"0,-11 6 15,-23 14-15,-4 7 16,-20 12-16,-9 12 16,-5 2-1,3 5-15,11-4 16,16-8-16,14-6 15,8-12 1,49-44-16,0 0 16,0 0-1,-26 27-15,11-15 16</inkml:trace>
   <inkml:trace contextRef="#ctx0" brushRef="#br0" timeOffset="115939.38">18935 10773 0,'0'0'15,"0"0"-15,9 17 16,7 8 0,9 9-16,6 6 15,7 4-15,8 5 16,4 9 0,18 23-16,11 21 15,1 17 1,-4 11-16,-4-5 15</inkml:trace>
-  <inkml:trace contextRef="#ctx0" brushRef="#br0" timeOffset="132997.88">9886 11069 0,'0'0'0,"-12"23"16,-2 10 0,-7 16-16,4 12 15,-6 10 1,-6 37-16,-4 27 16,0 30-16,3 4 15,7-9 1,11-5-16,5-9 15,7 4 1,0 3-16,2-4 16,0 6-16,-4 1 15,-4 5 1,-4 0-16,2-10 16,1-16-1,1-17-15,1-13 16,-4-24-16,9-81 15,0 0 1,0 0-16,-7 53 16,2-30-1,1-23-15,-1-19 16</inkml:trace>
+  <inkml:trace contextRef="#ctx0" brushRef="#br0" timeOffset="132997.87">9886 11069 0,'0'0'0,"-12"23"16,-2 10 0,-7 16-16,4 12 15,-6 10 1,-6 37-16,-4 27 16,0 30-16,3 4 15,7-9 1,11-5-16,5-9 15,7 4 1,0 3-16,2-4 16,0 6-16,-4 1 15,-4 5 1,-4 0-16,2-10 16,1-16-1,1-17-15,1-13 16,-4-24-16,9-81 15,0 0 1,0 0-16,-7 53 16,2-30-1,1-23-15,-1-19 16</inkml:trace>
   <inkml:trace contextRef="#ctx0" brushRef="#br0" timeOffset="134403.81">10052 10839 0,'0'0'0,"27"0"16,17-4 0,30-1-16,18 1 15,10 4 1,13-2-16,5-1 15,5-1-15,5-1 16,6 1 0,2 4-16,6-2 15,-4 2 1,-3 2-16,-6 2 16,-5 3-16,-9 4 15,-12 3 1,-5 3-16,-14-3 15,-13 4 1,-18-4-16,-8 1 16,-7 3-16,-40-18 15,40 24 1,1 1-16,-6 4 16,-4 2-1,1 0-15,-5 1 16,-2 4-16,-3 2 15,-5 6 1,0 10-16,-4 2 16,-1 8-1,-6 8-15,-2 11 16,-1 24-16,-6 18 16,1 0-1,2 2-15,5-1 16,3 1-1,2 0-15,-4 5 16,0 4-16,1 12 16,-3 2-1,4-5-15,-2 1 16,-2-2 0,-2-5-16,-2-7 15,0-9-15,-2-5 16,-4-2-1,-6-11-15,4-14 16,-1-12 0,1-15-16,8-64 15,-14 50 1,14-50-16,-15 38 16,15-38-16,-29 34 15,-13-13 1,-4-5-16,-4-7 15,-5-4-15,-1-5 16,-4-3 0,-3-1-16,-4-3 15,-7 3 1,-18-1-16,-6 1 16,0 1-16,3 6 15,0 0 1,3 3-16,1 5 15,-4 2 1,1 1-16,-1 2 16,-7-1-1,3-4-15,-1 0 16,1 0-16,3-1 16,2-4-1,9 1-15,1-5 16,-4 1-16,5-6 15,1 3 1,-1-2-16,4 2 16,5-7-1,1-2-15,15-2 16,5 0 0,-6-4-16,2-3 15,-2-7-15,5-4 16,1-2-1,4-5-15,5-2 16,5-6-16,6-6 16,8-3-1,10-8-15,10-6 16,10-13 0,17-30-16,12-21 15,5-6-15</inkml:trace>
   <inkml:trace contextRef="#ctx0" brushRef="#br0" timeOffset="144526.43">11062 11157 0,'-8'34'16,"-7"17"-16,-5 18 15,0 2 1,-7 20-16,8 4 16,1-15-16,18-80 15,0 0 1,0 0-16,-10 61 16,8-40-1,4-27-15</inkml:trace>
   <inkml:trace contextRef="#ctx0" brushRef="#br0" timeOffset="144948.21">10986 11188 0,'0'0'0,"0"0"16,0 0-16,0 0 16,0 22-1,2 25-15,9 18 16,5-3-1,8-15-15,8-11 16,6-9-16,4-18 16,4-16-1,0-17-15,-6-15 16,-7-7 0,-8-1-16,-25 47 15,14-49-15,-14 49 16,0 0-1,0 0-15,2-34 16,-6 20 0,-4 24-16,0 13 15,-3 16 1,-3 21-16,1 9 16,3 1-16,4 1 15,6-71 1,6 61-16,6-14 15,7-18-15,2-23 16</inkml:trace>
@@ -257,28 +266,28 @@
   </inkml:definitions>
   <inkml:trace contextRef="#ctx0" brushRef="#br0">7759 13777 0,'0'0'0,"0"0"16,0 0 0,0 0-16,0 0 15</inkml:trace>
   <inkml:trace contextRef="#ctx0" brushRef="#br0" timeOffset="2816.13">12070 8390 0,'-30'23'16,"-13"6"-16,-28 25 15,-27 21 1,-40 42 0,-36 30-16,-20 28 15,0-1-15,-6 7 16,-12 15-1,-11 12-15,-12 20 16,-5 8 0,-4 15-16,-1 11 15,-5 8 1,2 10-16,1 7 16,8 13-16,9-1 15,7 1 1,15-5-16,10-3 15,23-15 1,24-18-16,19-19 16,20-24-16,16-26 15,24-40 1,17-25-16,11-18 16,13-26-1,8-14-15,23-67 16,0 0-16,0 0 15,-16 46 1,16-46-16,0 0 16,0 0-1,-14 30-15,14-30 16,0 0-16,0 0 16,-8 13-1,6-13-15</inkml:trace>
-  <inkml:trace contextRef="#ctx0" brushRef="#br0" timeOffset="39760.62">12249 8554 0,'0'0'0,"0"0"15,0 0 1,0 0-16,-25-3 15,-17-10 1,-18-3-16,8 2 16,0 2-16,2-2 15,2-1 1,48 15-16,-44-20 16,5-5-1,10-4-15,16-5 16,11 5-16,8 2 15,8-1 1,-14 28-16,20-28 16,-20 28-1,31-20-15,10 5 16,8 9-16,-2 6 16,-5 8-1,-2 5-15,1 12 16,-6 4-1,-3 5-15,-7 4 16,-13 4 0,-12 5-16,-12 3 15,-17-4-15,-5-4 16,-7-6 0,6-9-1,3-7-15,7-11 16,8-7-16,-1-4 15,7-2-15,5-7 16,6-1 0</inkml:trace>
+  <inkml:trace contextRef="#ctx0" brushRef="#br0" timeOffset="39760.61">12249 8554 0,'0'0'0,"0"0"15,0 0 1,0 0-16,-25-3 15,-17-10 1,-18-3-16,8 2 16,0 2-16,2-2 15,2-1 1,48 15-16,-44-20 16,5-5-1,10-4-15,16-5 16,11 5-16,8 2 15,8-1 1,-14 28-16,20-28 16,-20 28-1,31-20-15,10 5 16,8 9-16,-2 6 16,-5 8-1,-2 5-15,1 12 16,-6 4-1,-3 5-15,-7 4 16,-13 4 0,-12 5-16,-12 3 15,-17-4-15,-5-4 16,-7-6 0,6-9-1,3-7-15,7-11 16,8-7-16,-1-4 15,7-2-15,5-7 16,6-1 0</inkml:trace>
   <inkml:trace contextRef="#ctx0" brushRef="#br0" timeOffset="40104.3">12881 7667 0,'0'0'16,"0"0"-16,-13 15 16,-5 12-16,-12 13 15,-5 7 1,-11 7-16,-4 6 16,-14 20-1,-8 4-15,9-11 16,63-73-16,0 0 15,-58 51 1</inkml:trace>
   <inkml:trace contextRef="#ctx0" brushRef="#br0" timeOffset="40307.37">12702 7821 0,'0'0'16,"0"0"-1,0 0-15,3 21 16,10 18-16,6 16 16,2-3-1,4 0-15,-1-10 16,1-13 0</inkml:trace>
   <inkml:trace contextRef="#ctx0" brushRef="#br0" timeOffset="40604.18">13053 7365 0,'0'0'16,"0"0"-16,0 20 15,4 24 1,0 33-16,-1 35 15,-1 10 1,1 10-16,-3 2 16,0-4-16,-3-5 15,-2-7 1,1-8-16,0-14 16,-3-13-1,7-83-15,-5 69 16,-1-23-16,-1-14 15</inkml:trace>
-  <inkml:trace contextRef="#ctx0" brushRef="#br0" timeOffset="40932.23">13355 7602 0,'0'0'16,"0"0"-16,0 0 16,0 0-1,0 0-15,19 0 16,23 0-16,10 0 16,-9 4-1,-13 0-15,-15 15 16,-13 4-1,-13 5-15,-7 5 16,-16 17-16,-6 3 16,-4 3-1,44-56-15,-43 52 16,3-7 0</inkml:trace>
+  <inkml:trace contextRef="#ctx0" brushRef="#br0" timeOffset="40932.22">13355 7602 0,'0'0'16,"0"0"-16,0 0 16,0 0-1,0 0-15,19 0 16,23 0-16,10 0 16,-9 4-1,-13 0-15,-15 15 16,-13 4-1,-13 5-15,-7 5 16,-16 17-16,-6 3 16,-4 3-1,44-56-15,-43 52 16,3-7 0</inkml:trace>
   <inkml:trace contextRef="#ctx0" brushRef="#br0" timeOffset="41104.06">13422 7807 0,'0'0'0,"0"0"16,0 0 0,13 12-16,14 8 15,8 4 1,5 1-16,-5-3 15</inkml:trace>
-  <inkml:trace contextRef="#ctx0" brushRef="#br0" timeOffset="41369.62">13828 7268 0,'0'0'16,"0"0"-16,0 30 16,-4 30-1,2 32-15,-5 22 16,4-7-16,3-4 16,8-7-1,2-9-15,4-16 16,-14-71-16,0 0 15,9 37 1,-4-33-16</inkml:trace>
+  <inkml:trace contextRef="#ctx0" brushRef="#br0" timeOffset="41369.61">13828 7268 0,'0'0'16,"0"0"-16,0 30 16,-4 30-1,2 32-15,-5 22 16,4-7-16,3-4 16,8-7-1,2-9-15,4-16 16,-14-71-16,0 0 15,9 37 1,-4-33-16</inkml:trace>
   <inkml:trace contextRef="#ctx0" brushRef="#br0" timeOffset="41557.08">13824 7801 0,'0'0'15,"0"0"-15,13-11 16,12-9-1,15-8-15,11 7 16,6 1-16,-57 20 16,48-10-1,-18 10-15,-25 11 16,-22 2-16</inkml:trace>
   <inkml:trace contextRef="#ctx0" brushRef="#br0" timeOffset="41807.03">13484 8281 0,'0'0'16,"0"0"-16,0 0 15,0 0-15,0 0 16,0 0 0,17-2-16,25-5 15,20-4 1,5 6-16,2 5 15,-2 9-15,-11 14 16,-20 10 0,-22 16-16,-30 23 15,-36 28 1,-58 70-16,-70 74 16</inkml:trace>
   <inkml:trace contextRef="#ctx0" brushRef="#br0" timeOffset="42597.6">6755 14783 0,'0'0'15,"0"0"1,10 24-1,6 12-15,13 18 16,-1-3-16,1-6 16,-29-45-1,0 0-15,0 0 16,28 33 0,-8-13-16,-11-20 15,-7-15-15,-6-14 16,-8-11-1,-9-9-15,-7-1 16,-5 8 0,0 8-16,-9 13 15,2 18-15,-3 21 16,1 17 0,5 17-16,6 13 15,3 6 1,1 27-16</inkml:trace>
   <inkml:trace contextRef="#ctx0" brushRef="#br0" timeOffset="42972.4">7189 14666 0,'0'0'0,"0"0"15,0 0 1,11-15-16,9-10 15,10-6 1,-2 4-16,1 7 16,-1 9-16,-3 8 15,-3 10 1,-5 13-16,-1 12 16,-5 12-1,-5 17-15,-1 4 16,-5-65-16,0 0 15,3 73 1</inkml:trace>
   <inkml:trace contextRef="#ctx0" brushRef="#br0" timeOffset="43394.18">7599 14271 0,'0'0'15,"0"0"-15,0 0 16,0 0-16,13 6 16,9 15-1,-2 13-15,-18 21 16,-13 15 0,-11 14-16,-18 29 15,-17 20-15,-3-6 16,9-25-1,16-24-15,10-18 16,25-60 0,0 0-16,0 0 15,-11 35 1,11-23-16,11-18 16,9-13-16,14-12 15,15-16 1,8-7-16,29-22 15,14-9 1,1 4-16,-101 81 16,84-62-16,-29 17 15</inkml:trace>
   <inkml:trace contextRef="#ctx0" brushRef="#br0" timeOffset="43831.57">7663 15413 0,'0'0'0,"0"0"16,0 0-16,12-23 16,6-17-1,15-27-15,6-17 16,2-4-16,-41 88 15,0 0 1,22-65-16,-19 41 16,-12 31-1,-2 22-15,-3 20 16,2 27-16,-1 38 16,9 25-1,13 9-15,7-25 16,4-39-1,2-38-15,2-23 16,-1-16 0,2-17-16,6-10 15,5-16-15,11-24 16,8-31 0,0-10-16,-27 11 15,-28 21-15</inkml:trace>
-  <inkml:trace contextRef="#ctx0" brushRef="#br0" timeOffset="43987.79">7844 15699 0,'0'0'16,"0"0"-16,0 0 15,11-23 1,14-21-16,17-32 15,20-36-15,13-22 16,-8 10 0</inkml:trace>
+  <inkml:trace contextRef="#ctx0" brushRef="#br0" timeOffset="43987.78">7844 15699 0,'0'0'16,"0"0"-16,0 0 15,11-23 1,14-21-16,17-32 15,20-36-15,13-22 16,-8 10 0</inkml:trace>
   <inkml:trace contextRef="#ctx0" brushRef="#br0" timeOffset="44144">8517 15122 0,'0'0'16,"0"0"-16,0 0 16,0 0-16,0 0 15</inkml:trace>
   <inkml:trace contextRef="#ctx0" brushRef="#br0" timeOffset="60452.68">12020 8933 0,'0'0'0,"0"0"15,0 0-15,0 0 16,0 0 0,0 0-16,0 0 15,18 0 1,21 0-16,14 0 16,-6 0-16,-2 0 15,-3 7 1,6 0-16,2 2 15,4-5 1,2 1-16,3-5 16,0-3-1,2-1-15,-3-1 16,5 1-16,3-1 16,6-3-1,0 1-15,1 0 16,12-2-16,7 3 15,-7 1 1,-1 3-16,1 0 16,-1 2-1,-2-3-15,-4 6 16,0-3-16,-1 2 16,-7 0-1,-13-2-15,-2 2 16,2-2-1,0-2-15,-1 4 16,-2-2-16,-4-2 16,-4 0-1,-46 2-15,0 0 16,0 0 0,46-5-16,-46 5 15,43 0-15,-5 0 16,-4-2-1</inkml:trace>
   <inkml:trace contextRef="#ctx0" brushRef="#br0" timeOffset="60608.99">14654 8951 0,'0'0'16,"0"0"-16,0 0 15,0 0-15,0 0 16</inkml:trace>
-  <inkml:trace contextRef="#ctx0" brushRef="#br0" timeOffset="61046.29">12412 9358 0,'0'0'0,"0"0"16,0 0 0,0 0-16,-4 23 15,-1 21-15,-7 28 16,1 3-16,2 17 15,2-7 1,3-6-16,4-79 16,0 68-1,0-68-15,7 52 16,-7-52 0,24 35-16</inkml:trace>
+  <inkml:trace contextRef="#ctx0" brushRef="#br0" timeOffset="61046.28">12412 9358 0,'0'0'0,"0"0"16,0 0 0,0 0-16,-4 23 15,-1 21-15,-7 28 16,1 3-16,2 17 15,2-7 1,3-6-16,4-79 16,0 68-1,0-68-15,7 52 16,-7-52 0,24 35-16</inkml:trace>
   <inkml:trace contextRef="#ctx0" brushRef="#br0" timeOffset="61608.66">12695 9945 0,'0'0'16,"0"0"-16,-15 13 15,-12 8 1,-9 6-16,-7-1 15,0-1-15,-8-2 16,1-6 0,-6-6-16,-4-6 15,-5-10 1,1-6-16,-5-8 16,8-10-16,7-12 15,7-6 1,13-11-16,11-5 15,17-6 1,12-2-16,19-1 16,23-16-16,20 3 15,12 15 1,4 20-16,-3 23 16,-11 21-1,-11 12-15,-10 12 16,0 14-1,-4 13-15,-7 13 16,-14 9-16,-10 9 16,-12 22-1,-20 11-15,-15-6 16,-12-6-16,-9-8 16,1-16-1,7-13-15,46-60 16,0 0-1,-33 41-15,15-21 16</inkml:trace>
   <inkml:trace contextRef="#ctx0" brushRef="#br0" timeOffset="61733.63">12693 9975 0,'0'0'15,"0"0"-15,0 0 16</inkml:trace>
   <inkml:trace contextRef="#ctx0" brushRef="#br0" timeOffset="64342.39">13013 9445 0,'0'0'16,"0"0"-16,0 0 16,0 0-1,17 0-15,27-7 16,22-9 0,0-1-16,-9-1 15,-57 18-15,56-6 16,-11 8-1,-21 18-15,-22 9 16,-18 8-16,-15 20 16,-6 7-1,-17 18-15,-2 6 16,56-88 0,0 0-16,0 0 15,-36 60-15,27-37 16</inkml:trace>
-  <inkml:trace contextRef="#ctx0" brushRef="#br0" timeOffset="64639.19">13593 9092 0,'0'0'0,"0"22"16,-4 21-16,2 35 15,-5 36 1,5 15-16,-2 14 16,0 10-16,-8 36 15,6 1 1,-1-18-16,7-22 16,2-20-1,3-34-15,-5-96 16,0 0-16,0 0 15,2 69 1,0-38-16,-2-38 16</inkml:trace>
+  <inkml:trace contextRef="#ctx0" brushRef="#br0" timeOffset="64639.18">13593 9092 0,'0'0'0,"0"22"16,-4 21-16,2 35 15,-5 36 1,5 15-16,-2 14 16,0 10-16,-8 36 15,6 1 1,-1-18-16,7-22 16,2-20-1,3-34-15,-5-96 16,0 0-16,0 0 15,2 69 1,0-38-16,-2-38 16</inkml:trace>
   <inkml:trace contextRef="#ctx0" brushRef="#br0" timeOffset="64936">13828 9354 0,'0'0'0,"0"0"16,0 0-1,18-3-15,21-13 16,16-4 0,-1-5-16,-54 25 15,51-15-15,-8 6 16,-14 14-1,-24 11-15,-19 11 16,-16 10-16,-21 22 16,-16 14-1,-6 7-15,18-24 16,-4-33 0,-17-30-16</inkml:trace>
   <inkml:trace contextRef="#ctx0" brushRef="#br0" timeOffset="65107.84">14117 9287 0,'0'0'16,"0"0"-16,0 0 16,13 15-16,10 8 15,5 12 1,-1 3-16,-11 9 15,-16 2-15</inkml:trace>
   <inkml:trace contextRef="#ctx0" brushRef="#br0" timeOffset="65326.54">13775 9780 0,'0'0'0,"0"0"15,0 0 1,0 0-16,20 0 16,26-4-1,33-5-15,24-7 16,9-11-16,-2 3 16,-110 24-1,115-18-15</inkml:trace>
@@ -328,34 +337,34 @@
   <inkml:trace contextRef="#ctx0" brushRef="#br0" timeOffset="162176.71">25417 11826 0,'0'0'16,"-22"28"-1,-9 12-15,-19 31 16,-20 39 0,-22 42-16,-2 22 15,8-9-15,16-13 16,13-26-1,20-33-15,37-93 16,0 0 0,0 0-16,-18 56 15,18-35-15,10-19 16,4-14 0,1-3-16,5-6 15,1 0-15,-1-7 16,-20 28-1,0 0-15,0 0 16,20-22 0,1 7-16,-4 10 15,-1 12 1,-1 13-16,0 17 16,0 29-16,1 16 15,3 45 1,8 50-16,7 26 15,3 3 1,4-13-16,-5-29 16,-3-18-16,-4-24 15,-7-23 1,-5-16-16,-17-83 16,0 0-1,0 0-15,17 64 16,-17-64-16,0 0 15,5 34 1,-5-34-16,0 13 16,0-13-16,-2 2 15,2-2 1,-5-8-16,5 8 16,-2-19-1</inkml:trace>
   <inkml:trace contextRef="#ctx0" brushRef="#br0" timeOffset="166722.51">23944 8281 0,'0'0'0,"0"0"15,-19 0 1,-21 5-16,-24-3 16,0 5-1,3-1-15,0 1 16,7-5-16,2-6 15,10-12 1,5-9-16,10-4 16,5-1-1,6-4-15,8 5 16,4-7 0,6-2-16,6-7 15,6-2-15,4 3 16,9 6-1,4 2-15,2 9 16,6 7 0,-1 11-16,-1 7 15,2 8-15,-4 8 16,-4 8 0,-1 7-16,-6 7 15,-10 9 1,-5 4-16,-13 3 15,-8 5-15,-12-3 16,-8-3 0,32-51-16,-42 45 15,42-45 1,-46 35-16,-5-10 16,51-25-16,-43 11 15,43-11 1,-40 0-16</inkml:trace>
   <inkml:trace contextRef="#ctx0" brushRef="#br0" timeOffset="170424.67">23788 8315 0,'0'0'16,"-26"0"-16,-15 0 16,-17 0-16,2 0 15,5-7 1,1-5-16,10-3 16,9-5-1,9 2-15,4-1 16,4-7-16,6-2 15,3-4 1,7-3-16,7-1 16,5 0-1,6-7-15,-20 43 16,33-37 0,-33 37-16,45-30 15,4 12-15,0 12 16,-7 11-1,-8 12-15,-11 10 16,-10 2 0,-10 4-16,-6 4 15,-4-5-15,-6 0 16,-5-5 0,-3-3-16,-9-6 15,-6-4-15,-8-6 16,-1-5-1,4-6-15,5-3 16,14-7 0,7-5-16,12-7 15,10-4-15,13-5 16,16-10 0,6 1-16,3 6 15,2 5 1,0 10-16,-4 8 15,-6 12 1,-1 9-16,-11 4 16,-3 7-16,-6 4 15,-3 3 1,-4 4-16,-5 0 16,-8 3-16,-9 3 15,-10-4 1,-15 3-16,-9-10 15,-5-4 1,-3-11-16,2-4 16,0-10-1,53 5-15,-46-9 16,10-8-16,10-6 16,17 3-1,15-7-15,17-4 16,22-9-1,12 0-15,6 9 16,-3 5-16,-8 16 16,-10 10-1,-15 20-15,-19 13 16,-16 21 0,-23 35-16</inkml:trace>
-  <inkml:trace contextRef="#ctx0" brushRef="#br0" timeOffset="183152.35">25292 6849 0,'0'0'16,"0"0"-16,0 0 16,0 0-1,0 0-15,-25 18 16,-10 13-16,-26 27 15,-17 36 1,-17 35-16,-11 28 16,8-5-1,8-2-15,19-16 16,17-11-16,7-21 16,7-10-1,0-5-15,8-11 16,3-11-1,9-21-15,20-44 16,0 0-16,0 0 16,-15 27-1,3-22-15</inkml:trace>
+  <inkml:trace contextRef="#ctx0" brushRef="#br0" timeOffset="183152.34">25292 6849 0,'0'0'16,"0"0"-16,0 0 16,0 0-1,0 0-15,-25 18 16,-10 13-16,-26 27 15,-17 36 1,-17 35-16,-11 28 16,8-5-1,8-2-15,19-16 16,17-11-16,7-21 16,7-10-1,0-5-15,8-11 16,3-11-1,9-21-15,20-44 16,0 0-16,0 0 16,-15 27-1,3-22-15</inkml:trace>
   <inkml:trace contextRef="#ctx0" brushRef="#br0" timeOffset="183636.72">24190 6802 0,'0'0'15,"0"0"1,0 0-16,0 0 15,0 0-15,14 25 16,13 15 0,15 29-16,19 31 15,14 31 1,12 13-16,1 6 16,-1-3-1,2 3-15,3 0 16,-3-1-16,-5-8 15,-14-13 1,-7-21-16,-12-21 16,-10-23-16,-41-63 15,0 0 1,0 0-16,29 50 16,-29-50-1,0 0-15,0 0 16,13 28-1,-13-28-15,0 0 16,4 12-16,-10-10 16,-12-2-1</inkml:trace>
-  <inkml:trace contextRef="#ctx0" brushRef="#br0" timeOffset="185197.32">25852 8033 0,'0'0'0,"0"0"32,0 0-32,-21 20 15,-16 16-15,-20 24 16,-17 34-16,-10 31 16,7 7-16,26-16 15,21-15-15</inkml:trace>
+  <inkml:trace contextRef="#ctx0" brushRef="#br0" timeOffset="185197.31">25852 8033 0,'0'0'0,"0"0"32,0 0-32,-21 20 15,-16 16-15,-20 24 16,-17 34-16,-10 31 16,7 7-16,26-16 15,21-15-15</inkml:trace>
   <inkml:trace contextRef="#ctx0" brushRef="#br0" timeOffset="186134.6">26083 7733 0,'0'0'0,"0"0"16,20-12-16,10-8 15,8-3 1,-7 3-16,-14 11 16,0 4-1,-9 13-15,-3 7 16,-3 11-16,-2 13 15,0 15 1,5 7-16,8-2 16,7-6-1,11-8-15,7-18 16,6-16-16,4-22 16,-4-16-1,-5-13-15,-5-14 16,-9-6-1,-2-4-15,-7 7 16,-1 2 0,-15 55-16,12-54 15,-12 54-15,0 0 16,10-43 0,-4 17-16,-4 21 15,-2 16-15,0 18 16,-6 18-1,4 24-15,-2 21 16,2 43 0,0 41-16,8 23 15,6-7-15,2-7 16,-1-11 0,0-15-16,0-14 15,-8-16 1,-8-23-16,-3-21 15,6-85 1,-18 62-16,-7-27 16,-15-20-16,-8-22 15,-19-16 1,-3-16-16,-20-24 16,-10-20-1,6-5-15,8-3 16,16 2-16,15 4 15,18 2 1,21 5-16,28 4 16,25-6-1,30-5-15,34-7 16,27-2-16,26 3 16,7 15-1,-19 25-15,-17 22 16,-15 13-1,-7 12-15,-4 8 16,-5 6-16</inkml:trace>
   <inkml:trace contextRef="#ctx0" brushRef="#br0" timeOffset="191711.42">17481 13362 0,'0'0'0,"-27"0"15,-17 0 1,-16 0-1,7 0-15,4 0 0,49 0 16,-43 0 0,2-10-16,8-5 15,15-7 1,14-3 0,8-1-16,10-8 15,11 1-15,14-6 16,11 4-16,6 8 15,3 9 1,-1 18-16,-5 13 16,-11 19-1,-8 13-15,-13 17 16,-8 11-16,-18 33 16,-18 24-1,-17 6-15,-15 3 16,-2-17-1,4-15-15,6-14 16,8-18-16,39-75 16,0 0-1,0 0-15,-19 49 16,19-32-16,15-21 16,12-16-1,10-22-15,24-28 16</inkml:trace>
   <inkml:trace contextRef="#ctx0" brushRef="#br0" timeOffset="192148.86">17972 12984 0,'0'0'0,"0"0"16,-20 18-1,-11 17-15,-17 26 16,-10 31 0,0 24-16,7 7 15,10-1-15,17-10 16,17-16 0,7-8-16,13-17 15,3-21 1,7-11-16,3-5 15,10-11-15,2-8 16,7-6 0,-3-2-16,-42-7 15,41 0 1,-41 0-16,0 0 16,0 0-1,33 3-15,-33-3 16,0 0-16,0 0 15,20 3 1,-20-3-16,9 7 16,-9-7-1,0 13-15</inkml:trace>
   <inkml:trace contextRef="#ctx0" brushRef="#br0" timeOffset="192398.76">18488 14012 0,'0'0'16,"-13"27"-16,-8 10 15,-8 31-15,-4 6 16,-5 19-1,0 7-15,9-21 16,29-79 0,-20 42-16,7-40 15</inkml:trace>
   <inkml:trace contextRef="#ctx0" brushRef="#br0" timeOffset="192711.19">18445 13002 0,'0'0'0,"0"0"0,17 14 16,16 5 0,9 8-16,8 2 15,2 9 1,5 5-16,-2 3 16,4 2-16,12 9 15,-2-7 1</inkml:trace>
   <inkml:trace contextRef="#ctx0" brushRef="#br0" timeOffset="193398.53">19803 12779 0,'0'0'0,"-22"4"16,-18 3-16,-25 18 16,-3 15-1,-15 20-15,-13 16 16,6 6-16,2 2 16,16-13-1,13-9-15,14-11 16,45-51-1,0 0-15,0 0 16,-29 32 0,29-32-16,-15 20 15,13-13-15,9-9 16,-7 2 0,8-9-16,-8 9 15,0 0 1,0 0-16,12-9 15,-12 9-15,8-7 16,-8 7 0,9 4-16,-5 12 15,-1 13-15,-3 9 16,-5 16 0,3 12-16,-5 13 15,3 35 1,2 31-16,-4 27 15,-2 9 1,0-5-16,1-10 16,-2-10-16,3-24 15,2-31 1,4-26-16,0-75 16,0 0-1,0 0-15,0 50 16,0-50-16,-2 20 15,2-20 1,-4 0-16,2-9 16,-3-9-16</inkml:trace>
-  <inkml:trace contextRef="#ctx0" brushRef="#br0" timeOffset="205739.38">19176 7577 0,'0'0'16,"0"0"-16,0 0 15,0 0 1,0 0-16,0 0 16,0 0-1,0 25-15,0 19 16,0 21 0,7-2-16,4 2 15,2-2-15,2-3 16,1-5-1,-3 3-15,2 1 16,-15-59-16,15 55 16,-15-55-1,0 0-15,16 53 16,-16-53 0,22 37-16,11-20 15,13-25-15,16-22 16,13-21-1,42-38-15,48-47 16,18-25 0,-4-7-16,-25 16 15,-25 16-15,-10 11 16,-13 9 0,-15 13-16,-13 16 15,-16 20 1,-14 15-16,-48 52 15,0 0-15,0 0 16,29-29 0,-29 29-16,0 0 15,0 0 1,15-20-16,-15 20 16,0 0-16,0 0 15,10-9 1,-10 9-16,0 0 15,-3-4 1,-4-3-16</inkml:trace>
+  <inkml:trace contextRef="#ctx0" brushRef="#br0" timeOffset="205739.37">19176 7577 0,'0'0'16,"0"0"-16,0 0 15,0 0 1,0 0-16,0 0 16,0 0-1,0 25-15,0 19 16,0 21 0,7-2-16,4 2 15,2-2-15,2-3 16,1-5-1,-3 3-15,2 1 16,-15-59-16,15 55 16,-15-55-1,0 0-15,16 53 16,-16-53 0,22 37-16,11-20 15,13-25-15,16-22 16,13-21-1,42-38-15,48-47 16,18-25 0,-4-7-16,-25 16 15,-25 16-15,-10 11 16,-13 9 0,-15 13-16,-13 16 15,-16 20 1,-14 15-16,-48 52 15,0 0-15,0 0 16,29-29 0,-29 29-16,0 0 15,0 0 1,15-20-16,-15 20 16,0 0-16,0 0 15,10-9 1,-10 9-16,0 0 15,-3-4 1,-4-3-16</inkml:trace>
   <inkml:trace contextRef="#ctx0" brushRef="#br0" timeOffset="206707.91">23048 11791 0,'0'0'16,"0"0"-16,-4-18 16,1-15-1,-1-8-15,0 17 16,4 13-16,0 15 15,4 14 1,7 11-16,3 9 16,4 12-16,0 3 15,2 9 1,-3 12-16,8 27 16,0 15-1,0-4-15,-3-17 16,0-17-16,-22-78 15,0 0 1,0 0-16,22 52 16,-2-34-1,3-22-15,8-19 16,18-32 0,33-44-16,39-51 15,30-40-15,9-10 16,-19 25-1,-14 23-15,-31 36 16,-13 13 0,-18 21-16,-5 3 15,-7 10-15,-16 12 16,-37 57 0,20-41-16,-20 41 15,0 0-15,13-39 16</inkml:trace>
   <inkml:trace contextRef="#ctx0" brushRef="#br0" timeOffset="206848.6">24612 11143 0,'0'0'0,"0"0"15,0 0-15</inkml:trace>
   <inkml:trace contextRef="#ctx0" brushRef="#br0" timeOffset="-212181.93">27763 9700 0,'-31'24'16,"-15"14"-16,-19 18 15,-16 20-15,-11 24 16,5 10 0,3 15-16,11 1 15,19 0 1,6 6-16,13 7 16,8 5-16,9 3 15,9 2 1,9 1-16,14-3 15,10 3 1,12-3-16,15 1 16,13-3-16,19 1 15,14-9 1,10-2-16,13-8 16,10-7-1,10-5-15,19-3 16,11-7-1,3-9-15,-2-9 16,4-9-16,0-8 16,9-8-1,-2-10-15,-2-20 16,1-11-16,-2-12 16,0-9-1,-2-13-15,-12-14 16,-1-15-1,-4-14-15,-6-16 16,-6-11-16,-9-6 16,-8-12-1,-9-8-15,-8-10 16,-9-6 0,-10-7-16,-13-8 15,-10-7-15,-14-8 16,-14-3-1,-7 1-15,-13 1 16,-12-2 0,-10 7-16,-8-3 15,-14 2 1,-11 5-16,-11-1 16,-13 3-16,-8 4 15,-18 8 1,-11 3-16,-10 2 15,-10 10 1,-7 4-16,-10 9 16,-7 11-16,-13 9 15,-11 10 1,-14 9-16,-16 15 16,-14 11-1,-12 15-15,-24 18 16,2 19-16,-1 19 15,-7 19 1,-9 14-16,-2 14 16,-6 23-1,-15 18-15,-10 26 16,-9 20 0,16 20-16,14 20 15</inkml:trace>
   <inkml:trace contextRef="#ctx0" brushRef="#br0" timeOffset="-150149.6">29335 11143 0,'0'0'16,"0"0"-16,0 0 15,0 0 1,0 0-16,0 0 15,0 0 1,0 25-16,8 17 16,6 16-16,11-11 15,2-9 1,1-7-16,2-4 16,6-12-1,-5-8-15,-5-7 16,1-7-1,-1-5-15,-26 12 16,16-21-16,-1-5 16,-9-1-1,-6-2-15,-6 4 16,-9 3-16,-5 4 16,-4 2-1,-3 3-15,-2 6 16,0 2-1,0 8-15,6 4 16,4 1 0,2 4-16,5-4 15,2 4-15,2-3 16,4-2 0,-1-3-16,0 0 15,3-2 1,-1-2-16,3 0 15,-2 3-15,2-6 16,2 3 0,-2-2-16,0-1 15,0 2 1,0 1-16,0-3 16,0 3-1,0-1-15,0-4 16,0 3-16,-2-2 15,-2 1 1,4 1-16,0-2 16,0 1-16,0 1 15,0 2 1,0 0-16,0-3 16,4 3-1,-4 0-15,0 0 16,0 0-16,0 0 15,2 0 1,-2-1-16,0 1 16,3 0-1,-3 0-15,0 0 16,0 0 0,0 0-16,0 0 15,0 0-15,0 0 16,0 0-1,0 0-15,-3 0 16,3 0-16,0 0 16,0 0-1,0 0-15,0 0 16,0 0 0,0 0-16,-2 0 15,2 0 1,0 0-16,-4 0 15,4 1-15,-1-1 16,-1 3 0,2-3-16,-2 0 15,2 0-15,-2 0 16,2-3 0,0 3-16,0 0 15,0 0 1,0 0-16,0-1 15,0 1 1,0 0-16,0 0 16,0 0-16,0 0 15,0 0 1,0 0-16,0 0 16,0 0-1,0 0-15,0 0 16,0 0-16,0 0 15,-2 0 1,2 0-16,0-3 16,0 3-1,0 0-15,0 0 16,0 0-16,0 0 16,0 0-1,0 0-15,0 0 16,0 0-1,0 0-15,0 0 16,0 0 0,0 0-16,0 0 15,0 0-15,0 0 16,0 0 0,0 0-16,0 0 15,0 0 1,0 0-16,0 0 15,0 0-15,0 0 16,0 0 0,0 0-16,0 0 15,0 0 1,0 0-16,0 0 16,0 0-16,-2 0 15,2 0 1,0 0-16,0 0 15,0 0-15,0 0 16,0 0 0,0 0-16,0 0 15,0 0 1,0 0 0,0 0-16,0 0 0,0 0 15,0 0 1,0 0-16,0 0 15,0 0 1,0 0-16,0 0 16,0 0-1,0 0-15,0 0 16,0 0-16,0 0 16,0 0-1,0 0-15,0 0 16,0 0-1,0 0-15,0 0 16,0 0-16,0 0 16,0 0-1,0 0-15,0 0 16,0 0 0,0 0-16,0 0 15,0 0-15,0 0 16,0 0-1,0 0-15,0 0 16,0 0 0,0 0-16,0 0 15,0 0 1,0 0-16,0 0 16,0 0-16,0 0 15,0 0 1,0 0-16,0 0 15,0 0 1,0 0-16,0 0 16,0 0-16,0 0 15,0 0 1,0 0-16,0 0 16,0 0-16,0 0 15,0 0 1,0 0-16,0 0 15,0 0 1,0 0-16,0 0 16,0 0-16,0 0 15,0 0 1,0 0-16,0 0 16,0 0-1,0 0-15,0 0 16,0-2-1,0 2-15,0-2 16,0 2-16,0 0 16,0-3-1,0 3-15,0 0 16,0 0 0,0 0-16,0 0 15,0 0-15,0 0 16,0 0-1,0 0-15,0 0 16,-3 0 0,3 0-16,3 0 15,-3-2-15,0 2 16,0 0 0,2-2-16,-2 0 15,0 2 1,0 0-16,0-3 15,2 3-15,0 0 16,-2 0 0,0 0-16,0 0 15,0 0 1,2 0-16,-2 0 16,0 0-16,0 0 15,0 0 1,0 0-16,0 0 15,0 0 1,0 0-16,0 0 16,0 0-16,0 0 15,0 0 1,0 0-16,0 0 16,0 0-1,0 0-15,0 0 16,0 0-16,0 0 15,0 0 1,0 0-16,2 0 16,-2 0-1,0 3-15,0-6 16,0 3 0,0 0-16,0 0 15,0 0-15,0 3 16,0-3-1,0-3-15,0 3 16,0 0 0,0 0-16,0 0 15,0 0-15,0 0 16,0 0 0,0 0-16,0 0 15,0 0 1,0 0-16,0 0 15,0 0-15,0 0 16,0 0 0,0 0-1,0 0-15,-2 0 16,2 0-16,0 0 16,-2 0-1,2 0-15,0 0 16,0 0-16,0 0 15,-2 0 1,2 0-16,0 0 16,0 0-1,0 0-15,0 0 16,0 0-16,0 0 16,0-1-1,0 1-15,0 1 16,2-1-16,-2 0 15,2 0 1,-2 0-16,0 0 16,0 0-1,0 0-15,0 0 16,2 0 0,-2 0-16,0 0 15,1 0-15,-1 0 16,4 0-1,-4 0-15,2 0 16,-2 0 0,0 0-16,0 0 15,3 0 1,-3 0-16,0 0 16,2 0-16,-2 0 15,0 0 1,0 0-16,0 0 15,0 0-15,-2 0 16,2 0 0,-3 0-16,3 0 15,0 0 1,-2 0-16,2 0 16,0 3-1,0-3-15,-4 0 16,4-3-16,-1 3 15,1 0 1,0 0-16,0 0 16,0 0-16,0 0 15,0 0 1,0 0-16,0 0 16,0 0-1,0 0-15,0 0 16,0 0-16,0 0 15,0 0 1,0 0-16,0 0 16,0 0-1,0 0-15,0 0 16,0 0-16,0 0 16,-2 0-1,2 0-15,0 0 16,-2 3-1,2-3-15,0 2 16,-2 2-16,2-4 16,0 3-1,0-1-15,0-2 16,0 0 0,2 0-16,-2 0 15,4-2 1,-3-1-16,3-1 15,-2-1-15</inkml:trace>
   <inkml:trace contextRef="#ctx0" brushRef="#br0" timeOffset="-148024.99">29393 9345 0,'0'0'16,"0"0"-16,0 0 16,0 0-1,0 0-15,0 15 16,0 14 0,0 11-16,0-4 15,7-4-15,7-3 16,3-8-1,2-5-15,2-4 16,2-1 0,3-7-16,0-6 15,-1-5 1,0-4-16,-4-4 16,-7-5-16,1-5 15,-7-4 1,-4-2-16,-4-1 15,-4 1 1,-4-2-16,-4 4 16,-3-1-16,-5 3 15,-5 8 1,0 3-16,-4 7 16,-1 2-1,0 5-15,1 6 16,0 3-1,2 2-15,4 5 16,6-3-16,3 1 16,3 1-1,5-3-15,-2 1 16,4-2-16,0-2 16,4-3-1,-2 1-15,0-1 16,2 1-1,0-3-15,-3 1 16,3-3-16,0 2 16,-2 0-1,2 0-15,0 1 16,-2-1 0,2 0-16,-2 0 15,2-2-15,0 0 16,-3 0-1,3 0-15,0 0 16,0 0 0,0 3-16,0-3 15,0 0-15,0 0 16,0 0 0,0 0-16,3-3 15,-3 3 1,0-2-16,0 2 15,0-2 1,0 2-16,0-2 16,0-1-16,-3 1 15,3 2 1,0-2-16,0 2 16,0-2-16,0-1 15,0 3 1,0 0-16,0-2 15,0 2 1,3-2-16,-3 2 16,0-3-1,0 3-15,0 0 16,0 0-16,0 0 16,0 0-1,0 0-15,0 0 16,0 0-1,-3 3-15,3-3 16,0 0-16,-2 0 16,2 0-1,0 0-15,0 0 16,-2 0 0,2 0-16,0 0 15,0 0-15,-3 0 16,3 0-1,0 0-15,0 0 16,0 0 0,0 0-16,0 0 15,0 0 1,0 0-16,0 0 16,0 0-16,0 0 15,0 0 1,0 0-16,0 0 15,0-3-15,0 3 16,0 0 0,3 0-16,-3 0 15,0 0 1,0 0-16,0 0 16,0 0-16,2-2 15,-2 2 1,0 0-16,0 0 15,0 0 1,0-2-16,0 2 16,0 0-16,0 0 15,0 0 1,0 0-16,0 0 16,0-2-1,0 2-15,0 0 16,0 0-16,2 0 15,-2-3 1,0 3-16,0 0 16,0 0-1,0 0-15,0 0 16,0 0-16,0 0 16,0 0-1,0 0-15,3-1 16,-1-2-1,0 3-15,3 3 16</inkml:trace>
-  <inkml:trace contextRef="#ctx0" brushRef="#br0" timeOffset="-146759.77">29536 9715 0,'0'0'16,"-5"32"0,1 20-16,2 28 15,-3 12-15,5-2 16,-2 7 0,2 3-16,0 5 15,0 3-15,-5 1 16,1 3-1,-2-5-15,-1-5 16,1-5 0,3-8-16,3-89 15,-4 81-15,4-81 16,0 0 0,0 0-16,-2 67 15,2-67 1,0 0-16,0 0 15,0 40-15,0-40 16,0 0 0,0 0-16,0 24 15,0-24 1,0 0-16,0 0 16,0 12-1,0-12-15,0 0 16,0 0-16,0 4 15,0-4 1,0 0-16,0 0 16,0 0-1,0 0-15,0 0 16,0 0-16,0 3 16,0-3-1,0 0-15,0 0 16,-2 2-1,2-2-15,0 0 16,0 0-16,-2 0 16,2 0-1,0 0-15,0 0 16,0-2 0,0 2-16,0 0 15,0 0-15,-2 0 16,2 0-1,0 0-15,-4-3 16,-2 6-16</inkml:trace>
+  <inkml:trace contextRef="#ctx0" brushRef="#br0" timeOffset="-146759.78">29536 9715 0,'0'0'16,"-5"32"0,1 20-16,2 28 15,-3 12-15,5-2 16,-2 7 0,2 3-16,0 5 15,0 3-15,-5 1 16,1 3-1,-2-5-15,-1-5 16,1-5 0,3-8-16,3-89 15,-4 81-15,4-81 16,0 0 0,0 0-16,-2 67 15,2-67 1,0 0-16,0 0 15,0 40-15,0-40 16,0 0 0,0 0-16,0 24 15,0-24 1,0 0-16,0 0 16,0 12-1,0-12-15,0 0 16,0 0-16,0 4 15,0-4 1,0 0-16,0 0 16,0 0-1,0 0-15,0 0 16,0 0-16,0 3 16,0-3-1,0 0-15,0 0 16,-2 2-1,2-2-15,0 0 16,0 0-16,-2 0 16,2 0-1,0 0-15,0 0 16,0-2 0,0 2-16,0 0 15,0 0-15,-2 0 16,2 0-1,0 0-15,-4-3 16,-2 6-16</inkml:trace>
   <inkml:trace contextRef="#ctx0" brushRef="#br0" timeOffset="-143199.52">29609 11438 0,'0'0'0,"0"0"16,0 0 0,0 0-1,0 0-15,0 0 16,0 0-16,0 0 15,-18 6 1,-13 1-16,-14 3 16,1-6-1,4 0-15,-1-4 16,5-4-16,36 4 16,-33-12-1,6-10-15,8-9 16,9-2-1,10 1-15,7 3 16,-7 29-16,14-34 16,4 4-1,5 3-15,4 4 16,3 10 0,0 4-16,2 7 15,-1 6-15,-1 5 16,-3 4-1,-5 5-15,-7 2 16,-6 5 0,-9 2-16,-8 0 15,-4 4 1,-8-2-16,0-2 16,0-2-16,-1-4 15,4-6 1,3-5-16,3-6 15,3-4-15,3 0 16,0-1 0,3 1-16,2-5 15,0 3 1,0 1-16,0-2 16,0 3-16,-3-2 15,3 2 1,0 2-16,-2 1 15,2-2 1,0-1-16,0 2 16,0-2-1,0 0-15,0 0 16,0-2-16,0 1 16</inkml:trace>
   <inkml:trace contextRef="#ctx0" brushRef="#br0" timeOffset="-139356.68">29648 9557 0,'0'0'0,"0"0"15,0 0 1,0 0-16,0 0 16,-21 4-16,-15 1 15,-11 4 1,8-3-16,5-1 15,3-3 1,3 0-16,6-2 16,5-4-1,0-7-15,2-3 16,1 0-16,8-5 16,2-6-1,6 0-15,4 2 16,-1 0-16,4-4 15,-9 27 1,11-27-16,-11 27 16,0 0-1,13-27-15,6 5 16,3 1 0,0 8-16,2 5 15,1 1-15,0 7 16,0 2-1,-4 3-15,2 5 16,-7 1-16,0 6 16,-4-2-1,-4 5-15,0-2 16,-3 2 0,-1-1-16,-2 1 15,-2-2-15,-4-4 16,-1 3-1,1-4-15,-2 0 16,0-1 0,-2-4-16,2 0 15,-2-1 1,0-1-16,-3-4 16,6-2-16,-2 2 15,1-2 1,-1 0-16,0-2 15,3 2 1,2-2-16,0-1 16,4-4-16,0-1 15</inkml:trace>
   <inkml:trace contextRef="#ctx0" brushRef="#br0" timeOffset="-139200.46">29613 9514 0,'0'0'15,"0"0"-15,0 0 16,0 0-16,0 0 16</inkml:trace>
   <inkml:trace contextRef="#ctx0" brushRef="#br0" timeOffset="-94659.92">29467 9206 0,'0'0'0,"0"0"16,0 0-16,0 0 15,0 0 1,-5 7-16,-7 2 16,-7 11-16,0 0 15,5 7 1,-2-1-16,-3 10 16,2 11-1,3 0-15,7-2 16,9-7-16,8-9 15,5-14 1,8-6-16,2-11 16,1-5-1,-4-5-15,-5-3 16,-5 0-16,-6-3 16,-6-2-1,-6 0-15,-6 0 16,-3 0-1,0-2-15,-6 4 16,5 0-16,-7 2 16,0 5-1,-6 6-15,-6 8 16,-6 10 0,-9 12-16,5 13 15,4 4-15</inkml:trace>
   <inkml:trace contextRef="#ctx0" brushRef="#br0" timeOffset="-93300.86">31907 11170 0,'0'0'15,"0"0"-15,0 0 16,0 0-16,-12 0 15,-5 0 1,-5 4-16,6 3 16,8 13-1,6 5-15,2 2 16,6-4 0,2 3-16,2-2 15,3-2-15,-2-3 16,-1-6-1,1-6-15,-1-7 16,-4-7 0,-2-9-16,0-6 15,-2-2-15,-8-3 16,2-2 0,-4-1-16,-6 3 15,1 5 1,-4 3-16,-6 7 15,2 6-15,-7 8 16,6 7 0,-4 6-16,7 4 15,7 2 1,8 2-16,6-1 16,7-3-16,11 1 15,7-7 1,7-4-16,-2-5 15,3-6 1,-9-6-16,-2-2 16,-8-3-1,-6-5-15,-6 0 16,-8-3-16,-4 1 16,-8 2-1,-4 5-15,-3 2 16,-5 5-1,1 0-15,-1 9 16,6 4-16,2 4 16,-1 4-1,11 8-15,4 3 16,6 6 0,5-1-16,2 3 15,10-5-15,6-5 16,0-2-1,7-6-15,1-6 16,1-8 0,-1-7-16,-7-2 15,1-4-15,-5-5 16,-4-1 0,-4-6-16,-1 1 15,-7-2 1,-4 2-16,-4-2 15,-9 5-15,-3 5 16,-10 5 0,-3 5-16,1 8 15,1 3 1,6 7-16,0 1 16,15 8-16,10 10 15</inkml:trace>
-  <inkml:trace contextRef="#ctx0" brushRef="#br0" timeOffset="-86786.87">29696 11286 0,'-22'18'0,"-12"11"16,-19 11-16,-7 5 15,-23 15 1,-15 11-16,1-1 16,9-5-1,18-13-15,70-52 16,0 0 0,0 0-16,-42 24 15,31-29-15,20-20 16</inkml:trace>
+  <inkml:trace contextRef="#ctx0" brushRef="#br0" timeOffset="-86786.88">29696 11286 0,'-22'18'0,"-12"11"16,-19 11-16,-7 5 15,-23 15 1,-15 11-16,1-1 16,9-5-1,18-13-15,70-52 16,0 0 0,0 0-16,-42 24 15,31-29-15,20-20 16</inkml:trace>
   <inkml:trace contextRef="#ctx0" brushRef="#br0" timeOffset="-86505.58">29252 11215 0,'0'0'0,"0"0"15,0 0-15,0 0 16,0 0-1,11 13-15,12 12 16,8 8 0,4 3-16,3 6 15,3 1-15,1 9 16,-4 1 0,-3 3-16,-1-3 15,-5 1 1,-2-7-16,-27-47 15,35 40-15</inkml:trace>
   <inkml:trace contextRef="#ctx0" brushRef="#br0" timeOffset="-86208.77">29698 9517 0,'0'0'0,"0"0"16,0 0-1,0 0-15,0 0 16,0 0-16</inkml:trace>
   <inkml:trace contextRef="#ctx0" brushRef="#br0" timeOffset="792.47">21135 12421 0,'0'0'0,"0"0"15,-4 20-15,2 24 16,-5 24-1,1 13-15,-6 26 16,4 9 0,-3 9-16,-1 18 15,-1 22-15,4 10 16,-1 1 0,-1 7-16,-5 16 15,4 8 1,-4 6-16,3-1 15,4 1-15,-2-4 16,4 1 0,3-9-16,6-6 15,0-21-15,10-13 16,-4-11 0,-1-18-16,-3-23 15,-2-13 1,-2-8-16,0-17 15,0-71-15,0 0 16,0 0 0,-2 40-16,0-24 15,2-20 1</inkml:trace>
   <inkml:trace contextRef="#ctx0" brushRef="#br0" timeOffset="1323.61">21202 12227 0,'0'0'0,"-17"22"15,-8 11-15,-15 21 16,-11 13 0,-23 27-16,-22 36 15,-16 22-15,0 2 16,7 9 0,13-5-16,12 0 15,11-9 1,7-9-16,12-15 15,14-17-15,8-15 16,5-5 0,5-19-16,18-69 15,-11 46 1,11-46-16,-2 35 16,4-23-16,7-18 15,2-28 1</inkml:trace>
   <inkml:trace contextRef="#ctx0" brushRef="#br0" timeOffset="1807.86">21030 12341 0,'0'0'0,"0"0"16,0 0-16,11 21 16,10 17-1,8 16-15,4 11 16,1 7-1,10 21-15,6 21 16,2 3-16,3 5 16,1-2-1,2 0-15,-4-4 16,-1-2 0,-3-5-16,-3-10 15,-8-17-15,-5-13 16,-5-10-1,-6-15-15,-8-8 16,-15-36 0,0 0-16,0 0 15,13 27-15,-13-27 16,14 14 0,-2-17-16</inkml:trace>
-  <inkml:trace contextRef="#ctx0" brushRef="#br0" timeOffset="1964.17">21900 13789 0,'0'0'0,"0"0"16,0 0-16,0 0 15</inkml:trace>
+  <inkml:trace contextRef="#ctx0" brushRef="#br0" timeOffset="1964.16">21900 13789 0,'0'0'0,"0"0"16,0 0-16,0 0 15</inkml:trace>
   <inkml:trace contextRef="#ctx0" brushRef="#br0" timeOffset="10977.58">21814 12153 0,'0'0'0,"0"0"16,0 0-16,0 0 16,-15 0-1,-9-4-15,-14 1 16,4 6-16,1 3 16,2 5-1,-1 2-15,-4 1 16,3 2-1,4-4-15,-1-1 16,-3-3 0,-4 1-16,-10 1 15,0-2-15,0-4 16,-3 1 0,-1-3-16,2-4 15,-4-3 1,-2 1-16,3-2 15,-3-1-15,0-3 16,0-1 0,2-4-16,0-3 15,-1-4 1,0-1-16,0-3 16,-1-4-16,1 1 15,-2-2 1,5-3-16,-1 4 15,3-7 1,1 2-16,0-3 16,2-2-16,0 0 15,5-1 1,-2-1-16,2-3 16,6-2-1,0 1-15,3-8 16,-1 0-16,-2-2 15,1 0 1,3-2-16,2-2 16,-2-2-16,2 1 15,3-4 1,-1 3-16,-2-6 16,2 2-1,0-1-15,0-3 16,-6-17-1,3-6-15,6-6 16,7 7-16,1 14 16,5 3-1,2 1-15,7-1 16,2 0-16,9-3 16,4-2-1,3-1-15,6-2 16,-1 3-1,9-1-15,1-1 16,2 1 0,7 3-16,-1 6 15,3 1-15,8-1 16,-2 1 0,9-1-16,-2 5 15,4 1 1,-1-2-16,1 5 15,0 6-15,4-4 16,-1 7 0,1 3-16,-3 7 15,3-1 1,0 4-16,3 4 16,2-1-16,0 6 15,0 1 1,-3 4-16,-10 5 15,-6 4 1,10 3-16,-1-1 16,4 2-16,1 6 15,2-2 1,0 6-16,-1-3 16,1 3-1,-1 4-15,2 2 16,-1 3-16,-3 1 15,1 6 1,-1-1-16,3 2 16,0 1-1,0 2-15,-2 4 16,-4-1-16,2 2 16,-1-1-1,1 6-15,-1 0 16,1 4-1,-6 1-15,1 1 16,-1-1-16,2 3 16,-6 1-1,0 4-15,-1 1 16,-2 2 0,-2 3-16,-3 4 15,3 0-15,-4 3 16,2-2-1,-7 5-15,0 2 16,-2 1 0,-4 3-16,-3 0 15,-3 3 1,-3 0-16,1 6 16,-1 0-16,-1 0 15,3 18 1,0-1-16,-1-4 15,0-3-15,-8 3 16,-2-5 0,-6 3-16,-1-1 15,2 0 1,-2 3-16,-2-7 16,-2 0-1,-2 0-15,-6-2 16,-6 4-16,-3-2 15,-1 0 1,-3 2-16,-5-2 16,-6-2-1,-1 1-15,-5 2 16,-5-4-16,-3 1 16,-5 0-1,-5-1-15,-3-1 16,-6-1-1,0-3-15,-1-4 16,-9-3-16,3-4 16,-6-3-1,-1 0-15,-5-7 16,-3-2 0,-7-5-16,-18-2 15,-6 2-15,-15 0 16,-22 9-1,1 6-15</inkml:trace>
 </inkml:ink>
 </file>
@@ -441,7 +450,7 @@
     </inkml:context>
   </inkml:definitions>
   <inkml:trace contextRef="#ctx0" brushRef="#br0">4623 5647 0,'0'0'0,"0"0"15,0 0-15,0 0 16,0 0-16,-4 26 15,2 26 1,-1 28-16,-5 12 16,1 4-1,-2 5-15,1 5 16,-6 11-16,-3 15 16,1 15-1,0 14-15,-2 5 16,3-1-1,-3 0-15,5-4 16,1 0-16,6-11 16,3-16-1,8-19-15,3-15 16,2-11-16,1-16 16,-5-13-1,-6-60-15,6 48 16,-6-48-1,0 0-15,6 28 16,-6-28-16,4 7 16,0-25-1</inkml:trace>
-  <inkml:trace contextRef="#ctx0" brushRef="#br0" timeOffset="1890.17">4905 5640 0,'0'0'16,"0"0"-16,0 0 15,0 0 1,0 0-16,0 0 16,0 0-16,0 0 15,0 0 1,0 0-16,23 0 15,31 0 1,28 0-16,27 0 16,6 0-16,8 0 15,9 0 1,6-6-16,5-4 16,26 2-1,8-8-15,4 0 16,2-4-16,1 0 15,4 4 1,1-1-16,8 3 16,8 1-1,15 2-15,14 4 16,-7 2-16,-4 5 16,2 0-1,-4 0-15,-2 2 16,-4 1-1,-13 2-15,5-3 16,2-2-16,-1 2 16,1 0-1,-1 0-15,-7 1 16,-7-1 0,-4 5-16,-4 4 15,-6 4-15,-8-1 16,-6 4-1,-7 1-15,-7 2 16,-17-4 0,-10 0-16,-8-2 15,-10 1-15,-13-3 16,-18-5 0,-12 5-16,-64-13 15,53 6 1,-53-6-16,41 9 15,-41-9-15,41 12 16,-41-12 0,33 17-16,-33-17 15,25 27 1,-7-1-16,-10 4 16,0-2-16,-6 8 15,-4 2 1,-1 13-16,-4 6 15,1 1 1,2 4-16,1 8 16,-2 3-16,3 25 15,-2 20 1,-1 11-16,1-5 16,0-6-1,2 6-15,0-2 16,-1 2-16,3-2 15,3 1 1,-1 2-16,0-4 16,-4-5-1,0-2-15,-3-9 16,0-9-16,1-7 16,-3-13-1,1-9-15,-3-17 16,9-50-1,0 0-15,0 0 16,-11 38-16,-5-12 16,-7-12-1,-1-12-15,-10-6 16,-8-8 0,-18-8-16,-7-4 15,-9-3-15,-27-9 16,-22-4-1,-17 1-15,-11 4 16,3 6 0,2 5-16,-6 4 15,-2 4-15,-10 2 16,-8 3 0,2 0-16,-3 2 15,-1-2 1,-6 4-16,-9 3 15,-3 2 1,4-1-16,-3-2 16,3 5-16,-4 0 15,4 5 1,1-2-16,-1-1 16,-1 0-16,6-4 15,7-3 1,-2-1-16,8 3 15,7 1 1,-1 2-16,3-2 16,5 6-16,2 0 15,7 6 1,4-3-16,-1 1 16,0-1-1,5 2-15,5-2 16,1 0-16,8 1 15,0 1 1,-1 2-16,3-1 16,7 3-1,-1 1-15,6-2 16,11 0-16,8-6 16,11-3-1,2-3-15,4-4 16,6-1-1,17 2-15,4 3 16,0 0-16,50 0 16,-46 0-1,46 0-15,-56 0 16</inkml:trace>
+  <inkml:trace contextRef="#ctx0" brushRef="#br0" timeOffset="1890.16">4905 5640 0,'0'0'16,"0"0"-16,0 0 15,0 0 1,0 0-16,0 0 16,0 0-16,0 0 15,0 0 1,0 0-16,23 0 15,31 0 1,28 0-16,27 0 16,6 0-16,8 0 15,9 0 1,6-6-16,5-4 16,26 2-1,8-8-15,4 0 16,2-4-16,1 0 15,4 4 1,1-1-16,8 3 16,8 1-1,15 2-15,14 4 16,-7 2-16,-4 5 16,2 0-1,-4 0-15,-2 2 16,-4 1-1,-13 2-15,5-3 16,2-2-16,-1 2 16,1 0-1,-1 0-15,-7 1 16,-7-1 0,-4 5-16,-4 4 15,-6 4-15,-8-1 16,-6 4-1,-7 1-15,-7 2 16,-17-4 0,-10 0-16,-8-2 15,-10 1-15,-13-3 16,-18-5 0,-12 5-16,-64-13 15,53 6 1,-53-6-16,41 9 15,-41-9-15,41 12 16,-41-12 0,33 17-16,-33-17 15,25 27 1,-7-1-16,-10 4 16,0-2-16,-6 8 15,-4 2 1,-1 13-16,-4 6 15,1 1 1,2 4-16,1 8 16,-2 3-16,3 25 15,-2 20 1,-1 11-16,1-5 16,0-6-1,2 6-15,0-2 16,-1 2-16,3-2 15,3 1 1,-1 2-16,0-4 16,-4-5-1,0-2-15,-3-9 16,0-9-16,1-7 16,-3-13-1,1-9-15,-3-17 16,9-50-1,0 0-15,0 0 16,-11 38-16,-5-12 16,-7-12-1,-1-12-15,-10-6 16,-8-8 0,-18-8-16,-7-4 15,-9-3-15,-27-9 16,-22-4-1,-17 1-15,-11 4 16,3 6 0,2 5-16,-6 4 15,-2 4-15,-10 2 16,-8 3 0,2 0-16,-3 2 15,-1-2 1,-6 4-16,-9 3 15,-3 2 1,4-1-16,-3-2 16,3 5-16,-4 0 15,4 5 1,1-2-16,-1-1 16,-1 0-16,6-4 15,7-3 1,-2-1-16,8 3 15,7 1 1,-1 2-16,3-2 16,5 6-16,2 0 15,7 6 1,4-3-16,-1 1 16,0-1-1,5 2-15,5-2 16,1 0-16,8 1 15,0 1 1,-1 2-16,3-1 16,7 3-1,-1 1-15,6-2 16,11 0-16,8-6 16,11-3-1,2-3-15,4-4 16,6-1-1,17 2-15,4 3 16,0 0-16,50 0 16,-46 0-1,46 0-15,-56 0 16</inkml:trace>
   <inkml:trace contextRef="#ctx0" brushRef="#br0" timeOffset="2015.15">4318 8276 0,'0'0'0,"0"0"16</inkml:trace>
   <inkml:trace contextRef="#ctx0" brushRef="#br0" timeOffset="26626.14">8228 4013 0,'0'0'15,"0"0"-15,0 0 31,0 0-31,0 0 16,0 0 0,0 0-16,0 0 0,0 0 15,0 0 1,0 0-16,0 0 16,0 0-1,0 0-15,0 0 16,0 0-16,0 0 15,0 0 1,0 0-16,0 0 16,0 0-1,0 0-15,0 0 16,0 0-16,0 0 16,0 0-1,0 0-15,0 0 16,-2 10-1,2 5-15,0 8 16,0 1-16,-2 3 16,2 0-1,0 0-15,0 2 16,2 2 0,0 7-16,2 16 15,-1 6-15,-1 9 16,2 9-1,-8 33-15,-1 30 16,-1 18 0,-1 7-16,1-15 15,6-2-15,4-1 16,3 9 0,-1 8-16,1 20 15,-7 19 1,-5 23-16,1 16 15,-3 4 1,3 11-16,0 5 16,8 8-16,-2 1 15,7 3 1,8 0-16,6-3 16,-7-2-16,-5-8 15,-7-8 1,0-19-16,-10-23 15,4-46 1,2-45-16,0-121 16,0 0-16,0 0 15,0 78 1,0-78-16,0 0 16,0 0-1,0 38-15,0-38 16,0 0-16,0 0 15,-2 11 1,2-11-16,0 0 16,-2-5-1,-2-5-15</inkml:trace>
   <inkml:trace contextRef="#ctx0" brushRef="#br0" timeOffset="32218.69">5214 9186 0,'0'0'0,"-18"-14"16,-2-10-16,-5-7 15,6-3 1,5 3-16,7 4 15,10 3 1,7 1-16,11 1 16,10 2-16,9 4 15,20 6 1,3 4-16,1 12 16,2 6-16,-6 13 15,-9 6 1,-10 9-16,-14 9 15,-18 8 1,-18 5-16,-16 3 16,-11 2-16,-20 13 15,-13 3 1,6-17-16,63-66 16,0 0-1,0 0-15,-48 50 16,48-50-16,-23 27 15,19-12 1,13-6-16,11-4 16,11 0-1,12-3-15,14 5 16,6-2 0,3 7-16,2-1 15,-1 2-15,0-2 16,-2 3-1,-3-5-15,-62-9 16,66 5-16</inkml:trace>
@@ -474,8 +483,8 @@
   <inkml:trace contextRef="#ctx0" brushRef="#br0" timeOffset="48188.5">16801 7856 0,'0'0'0,"0"0"16,-7-17-16,0-18 15,-9-11 1,0 6-16,-4 7 16,-1 0-1,-6-1-15,-1 0 16,-3 1-1,0 2-15,31 31 16,-28-25-16,-2 13 16,5 17-1,4 10-15,-2 12 16,3 13-16,2 21 16,8 4-1,12 0-15,10-1 16,8-8-1,5-6-15,8-15 16,2-11-16,7-14 16,0-15-1,-4-11-15,-3-12 16,-4-10 0,-6-7-16,-4-2 15,-8 0 1,-1 5-16,-8 8 15,0 11-15,-4 12 16,0 11 0,0 16-16,0 11 15,5 8-15,1 13 16,10 12 0,6 0-16,8-8 15,-1-10 1,-7-13-16</inkml:trace>
   <inkml:trace contextRef="#ctx0" brushRef="#br0" timeOffset="48844.59">17226 7481 0,'0'0'0,"0"0"15,-4 20 1,-2 25-16,-7 27 16,1 6-1,4 11-15,3-4 16,3-12-16,2-73 16,0 0-1,0 0-15,-2 57 16,4-26-1,2-27-15,9-26 16,3-17-16,5-14 16,-1-3-1,-4 5-15,-1 9 16,-4 8 0,0 14-16,0 11 15,5 9-15,2 12 16,-4 9-1,-3 13-15,-5 9 16,-2 15 0,-4-58-16,4 58 15,-4-58-15,0 0 16,0 49 0,-4-16-16,8-24 15,-2-15-15,6-14 16,9-11-1,6-13-15,11-13 16,-1 1 0,-33 56-16,36-54 15,7 11 1,1 13-16,1 16 16,2 14-16,-2 18 15,-5 18 1,-5 20-16,-10 24 15,-19 52-15,-30 61 16,-34 49 0</inkml:trace>
   <inkml:trace contextRef="#ctx0" brushRef="#br0" timeOffset="49078.81">18431 8397 0,'0'0'0,"0"0"16</inkml:trace>
-  <inkml:trace contextRef="#ctx0" brushRef="#br0" timeOffset="49266.26">20521 16420 0,'-9'38'0,"-11"26"15,-10 24-15,-9 24 16</inkml:trace>
-  <inkml:trace contextRef="#ctx0" brushRef="#br0" timeOffset="136051.35">3176 10750 0,'0'0'0,"0"0"16,0 0-16,-16 13 16,-8 12-16,-5 8 15,2 7 1,3 10-16,0 6 16,5 8-1,3 8-15,6 1 16,3 27-1,5 11-15,11-9 16,8-12-16,5-19 16,8-7-1,1-21-15,4-9 16,7-9 0,2-12-16,5-10 15,6-18-15,6-11 16,10-14-1,24-20-15,8-21 16,-13-6 0,-11-5-16,-26 3 15,-22 9-15,-14 6 16,-19 5 0,-17 15-16,-9 3 15,-14 1 1,-9 5-16,-4 4 15,-5 9-15,-5 10 16,0 6 0,-3 9-16,3 10 15,3 10 1,3 7-16,7 7 16,2 5-16,10-2 15,12-1 1</inkml:trace>
+  <inkml:trace contextRef="#ctx0" brushRef="#br0" timeOffset="49266.25">20521 16420 0,'-9'38'0,"-11"26"15,-10 24-15,-9 24 16</inkml:trace>
+  <inkml:trace contextRef="#ctx0" brushRef="#br0" timeOffset="136051.34">3176 10750 0,'0'0'0,"0"0"16,0 0-16,-16 13 16,-8 12-16,-5 8 15,2 7 1,3 10-16,0 6 16,5 8-1,3 8-15,6 1 16,3 27-1,5 11-15,11-9 16,8-12-16,5-19 16,8-7-1,1-21-15,4-9 16,7-9 0,2-12-16,5-10 15,6-18-15,6-11 16,10-14-1,24-20-15,8-21 16,-13-6 0,-11-5-16,-26 3 15,-22 9-15,-14 6 16,-19 5 0,-17 15-16,-9 3 15,-14 1 1,-9 5-16,-4 4 15,-5 9-15,-5 10 16,0 6 0,-3 9-16,3 10 15,3 10 1,3 7-16,7 7 16,2 5-16,10-2 15,12-1 1</inkml:trace>
   <inkml:trace contextRef="#ctx0" brushRef="#br0" timeOffset="136488.74">4110 10455 0,'0'0'16,"0"0"-16,-15 16 16,-17 6-16,-19 21 15,-12 7 1,-23 29-16,-21 31 16,-5 14-1,11 6-15,9 2 16,7 3-1,10-2-15,7-8 16,5 0-16,4-1 16,8-11-1,10-12-15,8-14 16,8-12-16,4-14 16,21-61-1,-11 45-15,11-45 16,0 0-1,-2 31-15,6-17 16,9-14 0,13-14-16</inkml:trace>
   <inkml:trace contextRef="#ctx0" brushRef="#br0" timeOffset="137066.73">4180 11523 0,'0'0'15,"0"0"1,0 0-16,13-13 15,9-8-15,9-9 16,-4-4 0,1-2-16,-1-5 15,-2-3 1,-2 0-16,0-1 16,-4 4-16,2-2 15,-21 43 1,0 0-16,0 0 15,18-37 1,-18 37-16,19-29 16,-19 29-16,16-11 15,-2 13 1,-3 13-16,-2 8 16,0 8-1,3 5-15,3 4 16,5 10-16,4-2 15,6-3 1,5-5-16,5-1 16,5-9-1,4-5-15,0-7 16,5-4-16,-3-8 16,1-6-1,-4-6-15,-2-8 16,-9-9-1</inkml:trace>
   <inkml:trace contextRef="#ctx0" brushRef="#br0" timeOffset="137691.57">5965 10312 0,'0'0'16,"0"0"-16,0 0 15,-20 20 1,-9 11-16,-24 23 15,-11 22-15,-14 25 16,1 8 0,5 14-16,-2 9 15,9 0 1,9 0-16,12-6 16,16-9-16,13-6 15,17-11 1,16-10-16,13-13 15,14-12 1,9-14-16,8-12 16,6-14-16,-11-18 15,-8-9 1,-2-14-16,-8-4 16,-8-7-1,-15-2-15,-12-2 16,-13 0-16,-11-2 15,-18-11 1,-11 7-16,-6 3 16,-5 5-1,-5 7-15,1 4 16,3 3-16,61 15 16,-48-17-1,16-4-15,27-11 16</inkml:trace>
@@ -509,17 +518,17 @@
   <inkml:trace contextRef="#ctx0" brushRef="#br0" timeOffset="-152133.3">15154 9429 0,'0'-22'15,"0"-14"-15</inkml:trace>
   <inkml:trace contextRef="#ctx0" brushRef="#br0" timeOffset="-152102.05">15987 10430 0,'0'0'0</inkml:trace>
   <inkml:trace contextRef="#ctx0" brushRef="#br0" timeOffset="-151695.91">16144 10229 0,'0'0'15,"0"0"-15,0 0 16,-18-11 0,-11-9-16,-10-9 15,2-3 1,-2 2-16,4-6 16,2 0-16,33 36 15</inkml:trace>
-  <inkml:trace contextRef="#ctx0" brushRef="#br0" timeOffset="-144817.7">15348 9034 0,'0'0'0,"0"0"16,0 0-1,20 0-15,31-7 16,30-2-16,31 3 15,0-1 1,-5 12-16,-11 6 16,-17 13-1,-17 12-15,-27 4 16,-17 4-16,-18 10 16,-18 7-1,-25 8-15,-35 22 16,-32 14-1,-10-2-15,9-20 16,13-14-16,21-18 16,77-51-1,-60 41-15,60-41 16,0 0 0,-36 29-16,21-2 15,24 3-15</inkml:trace>
-  <inkml:trace contextRef="#ctx0" brushRef="#br0" timeOffset="-144036.64">16311 10334 0,'0'0'16,"0"0"-16,-16-13 15,-11-12-15,-6-6 16,-1-1 0,-3 2-16,-1 3 15,-3 2 1,3 0-16,38 25 16,-39-18-16,-5 7 15,2 7 1,5 11-16,1 13 15,3 13 1,4 12-16,1 13 16,8 10-16,5 5 15,5 19 1,10 1-16,14-10 16,7-22-1,5-24-15,1-19 16,4-13-1,-5-15-15,6-9 16,2-15-16,3-15 16,-1-9-1,-9 0-15,-7 0 16,-5 2 0,-3 5-16,-3 8 15,-5 10-15,5 8 16,0 9-1,3 12-15,4 8 16,-1 16-16,1 12 16,3 13-1,5 15-15,6 4 16,-1-1 0,2-3-16,5-8 15,0-7-15,2-12 16,3-7-1,-2-10-15</inkml:trace>
+  <inkml:trace contextRef="#ctx0" brushRef="#br0" timeOffset="-144817.71">15348 9034 0,'0'0'0,"0"0"16,0 0-1,20 0-15,31-7 16,30-2-16,31 3 15,0-1 1,-5 12-16,-11 6 16,-17 13-1,-17 12-15,-27 4 16,-17 4-16,-18 10 16,-18 7-1,-25 8-15,-35 22 16,-32 14-1,-10-2-15,9-20 16,13-14-16,21-18 16,77-51-1,-60 41-15,60-41 16,0 0 0,-36 29-16,21-2 15,24 3-15</inkml:trace>
+  <inkml:trace contextRef="#ctx0" brushRef="#br0" timeOffset="-144036.65">16311 10334 0,'0'0'16,"0"0"-16,-16-13 15,-11-12-15,-6-6 16,-1-1 0,-3 2-16,-1 3 15,-3 2 1,3 0-16,38 25 16,-39-18-16,-5 7 15,2 7 1,5 11-16,1 13 15,3 13 1,4 12-16,1 13 16,8 10-16,5 5 15,5 19 1,10 1-16,14-10 16,7-22-1,5-24-15,1-19 16,4-13-1,-5-15-15,6-9 16,2-15-16,3-15 16,-1-9-1,-9 0-15,-7 0 16,-5 2 0,-3 5-16,-3 8 15,-5 10-15,5 8 16,0 9-1,3 12-15,4 8 16,-1 16-16,1 12 16,3 13-1,5 15-15,6 4 16,-1-1 0,2-3-16,5-8 15,0-7-15,2-12 16,3-7-1,-2-10-15</inkml:trace>
   <inkml:trace contextRef="#ctx0" brushRef="#br0" timeOffset="-143614.85">16475 10060 0,'0'0'16,"0"0"-16,0 20 16,4 24-16,2 28 15,2 13 1,-2 22-16,-2-2 15,-1-6 1,-1-13-16,-2-86 16,0 0-16,0 0 15,0 65 1,0-32-16,0-28 16,0-25-1,6-20-15,12-12 16,14-6-16,8-2 15,13-5 1,30-17-16,22-5 16,7 16-1,-13 25-15</inkml:trace>
-  <inkml:trace contextRef="#ctx0" brushRef="#br0" timeOffset="-143021.24">17430 10394 0,'0'0'0,"-4"-20"16,-2-18 0,-12-13-16,-5 6 15,0 5 1,-5-2-16,-1 2 15,-2 6-15,-2 5 16,-4 6 0,3 10-16,3 11 15,0 9-15,0 11 16,0 15 0,-5 21-16,4 10 15,12 10 1,5 24-16,15 10 15,13-12-15,11-22 16,3-25 0,1-20-16,1-13 15,0-14 1,3-11-16,1-9 16,8-20-16,-1-7 15,-7-8 1,-2-6-16,-4-1 15,-7 2 1,-6 5-16,-6 10 16,-1 9-1,-3 15-15,0 12 16,4 10-16,-2 12 16,3 14-1,1 9-15,6 15 16,3 3-1,3-4-15,0-8 16,3-10-16</inkml:trace>
+  <inkml:trace contextRef="#ctx0" brushRef="#br0" timeOffset="-143021.25">17430 10394 0,'0'0'0,"-4"-20"16,-2-18 0,-12-13-16,-5 6 15,0 5 1,-5-2-16,-1 2 15,-2 6-15,-2 5 16,-4 6 0,3 10-16,3 11 15,0 9-15,0 11 16,0 15 0,-5 21-16,4 10 15,12 10 1,5 24-16,15 10 15,13-12-15,11-22 16,3-25 0,1-20-16,1-13 15,0-14 1,3-11-16,1-9 16,8-20-16,-1-7 15,-7-8 1,-2-6-16,-4-1 15,-7 2 1,-6 5-16,-6 10 16,-1 9-1,-3 15-15,0 12 16,4 10-16,-2 12 16,3 14-1,1 9-15,6 15 16,3 3-1,3-4-15,0-8 16,3-10-16</inkml:trace>
   <inkml:trace contextRef="#ctx0" brushRef="#br0" timeOffset="-142302.66">17706 10024 0,'0'0'16,"0"0"-16,0 0 16,0 20-1,0 22-15,0 30 16,0 8 0,4 21-16,0-5 15,1-12 1,-5-84-16,0 0 15,0 0-15,0 66 16,4-40 0,6-30-16,2-23 15,7-13 1,7-11-16,11-8 16,9-1-16,17-11 15,-63 71 1,69-61-16,-2 26 15,-17 28 1,-22 27-16,-14 10 16,-10 5-16,-4 12 31,-2 11-31,-4 2 0,6-60 16,0 0-1,0 0-15,-2 47 16,2-14-16,8-23 15,9-17 1,14-20-16,17-22 16,-2-10-1,15-18-15,-3-12 16,-58 89-16,0 0 16,48-70-1,-6 30-15,-11 29 16,-5 22-1,-5 14-15,-6 21 16,-3 28-16,-10 39 16,-6 24-1,-14 8-15,0-22 16,4-31 0,14-92-16,-2 60 15,8-29-15,-4-13 16,-8-7-1</inkml:trace>
   <inkml:trace contextRef="#ctx0" brushRef="#br0" timeOffset="-142161.97">18712 10783 0,'0'0'16,"0"0"-16,0 0 15,0 0-15</inkml:trace>
-  <inkml:trace contextRef="#ctx0" brushRef="#br0" timeOffset="-141474.73">20699 6806 0,'0'0'0,"0"0"16,-26 21 0,-18 15-16,-33 30 15,-44 44-15,-35 50 16,-11 40-1,30-17-15,30-16 16,34-28 0,17-19-16,12-25 15,44-95-15,0 0 16,-37 62 0</inkml:trace>
-  <inkml:trace contextRef="#ctx0" brushRef="#br0" timeOffset="-141021.71">19871 6713 0,'0'0'0,"0"0"16,16 20-16,13 20 15,18 29 1,14 38-16,21 46 16,9 23-16,-1-4 15,-1 0 1,-5-9-16,-5-15 16,-12-27-1,-13-28-15,-54-93 16,0 0-16,39 62 15,-39-62 1,0 0-16,0 0 16,24 45-1,-24-45-15,0 0 16,6 22-16,-6-22 16,0 0-1,0 10-15,0-10 16,0 0-1,0 0-15,-2-7 16</inkml:trace>
+  <inkml:trace contextRef="#ctx0" brushRef="#br0" timeOffset="-141474.74">20699 6806 0,'0'0'0,"0"0"16,-26 21 0,-18 15-16,-33 30 15,-44 44-15,-35 50 16,-11 40-1,30-17-15,30-16 16,34-28 0,17-19-16,12-25 15,44-95-15,0 0 16,-37 62 0</inkml:trace>
+  <inkml:trace contextRef="#ctx0" brushRef="#br0" timeOffset="-141021.72">19871 6713 0,'0'0'0,"0"0"16,16 20-16,13 20 15,18 29 1,14 38-16,21 46 16,9 23-16,-1-4 15,-1 0 1,-5-9-16,-5-15 16,-12-27-1,-13-28-15,-54-93 16,0 0-16,39 62 15,-39-62 1,0 0-16,0 0 16,24 45-1,-24-45-15,0 0 16,6 22-16,-6-22 16,0 0-1,0 10-15,0-10 16,0 0-1,0 0-15,-2-7 16</inkml:trace>
   <inkml:trace contextRef="#ctx0" brushRef="#br0" timeOffset="-140584.33">19719 9224 0,'0'0'0,"0"0"15,10 20 1,5 18-16,11 25 15,7 9 1,20 28-16,13 16 16,8 0-16,9 5 15,-7-18 1,-3-25-16,-5-22 16,-4-23-1</inkml:trace>
   <inkml:trace contextRef="#ctx0" brushRef="#br0" timeOffset="-139975.08">20856 9215 0,'0'0'0,"0"0"16,-34 13-1,-26 14-15,-38 29 16,-47 47-1,-27 43-15,0 23 16,45-17-16,44-39 16,34-21-1,49-92-15,-19 63 16,28-31 0,19-24-16,9-16 15,10-11-15,3-3 16,0 0-1,-50 22-15,51-16 16,-3 7 0,-3 9-16,-7 14 15,-7 12 1,-11 17-16,-7 19 16,-9 21-16,-10 46 15,-13 46 1,-10 28-16,-2-5 15,5-25-15,8-39 16,7-31 0,11-103-16,0 0 15,0 0 1,-2 71-16,2-71 16,0 0-1,0 0-15,-2 37 16,2-37-16,0 0 15,0 0 1,-2 20-16,2-20 16,0 0-1,0 0-15,-5 0 16</inkml:trace>
-  <inkml:trace contextRef="#ctx0" brushRef="#br0" timeOffset="-134476.27">14196 11351 0,'0'0'16,"0"0"-16,0 0 16,0 0-1,0 0-15,0 0 16,0 0-16,0 0 16,0 0-1,0 0-15,20 7 16,19-1-1,26 3-15,2-4 16,4-1-16,8-2 16,16 1-1,-1 3-15,5 1 16,4 0 0,4 0-16,5 2 15,4 1-15,12 0 16,7-4-1,7 4-15,-2-2 16,5 1-16,1 0 16,-1-2-1,4-5-15,1-2 16,7-2 0,-3-1-16,5-3 15,4-1 1,-3-2-16,2 6 15,-4-5-15,1 3 16,-5-2 0,-3-1-16,4 1 15,1 1 1,0-6-16,-2 1 16,-4 0-16,1 2 15,-4-2 1,-4 0-16,-3-1 15,-2 3 1,-7 1-16,-10 1 16,0 5-16,-5 0 15,-7 2 1,-11 2-16,-4 0 16,-7 2-1,-10 1-15,-4-1 16,-2 1-16,-19 3 15,-5-1 1,-47-7-16,0 0 16,47 5-1,2-7-15</inkml:trace>
+  <inkml:trace contextRef="#ctx0" brushRef="#br0" timeOffset="-134476.28">14196 11351 0,'0'0'16,"0"0"-16,0 0 16,0 0-1,0 0-15,0 0 16,0 0-16,0 0 16,0 0-1,0 0-15,20 7 16,19-1-1,26 3-15,2-4 16,4-1-16,8-2 16,16 1-1,-1 3-15,5 1 16,4 0 0,4 0-16,5 2 15,4 1-15,12 0 16,7-4-1,7 4-15,-2-2 16,5 1-16,1 0 16,-1-2-1,4-5-15,1-2 16,7-2 0,-3-1-16,5-3 15,4-1 1,-3-2-16,2 6 15,-4-5-15,1 3 16,-5-2 0,-3-1-16,4 1 15,1 1 1,0-6-16,-2 1 16,-4 0-16,1 2 15,-4-2 1,-4 0-16,-3-1 15,-2 3 1,-7 1-16,-10 1 16,0 5-16,-5 0 15,-7 2 1,-11 2-16,-4 0 16,-7 2-1,-10 1-15,-4-1 16,-2 1-16,-19 3 15,-5-1 1,-47-7-16,0 0 16,47 5-1,2-7-15</inkml:trace>
   <inkml:trace contextRef="#ctx0" brushRef="#br0" timeOffset="-134054.59">21214 10855 0,'0'0'16,"0"0"-16,-20 16 15,-12 10-15,-18 19 16,-4 6-1,-15 21-15,-12 15 16,1 9 0,-5 2-16,8-3 15,6-4 1,9-4-16,7-13 16,14-14-16,10-14 15,31-46 1,0 0-16,-8 37 15</inkml:trace>
   <inkml:trace contextRef="#ctx0" brushRef="#br0" timeOffset="-133726.45">21420 11054 0,'0'0'0,"-29"17"16,-14 10-1,-26 23-15,-27 30 16,-31 34 0,-23 36-16,-11 33 15,-20 45-15</inkml:trace>
   <inkml:trace contextRef="#ctx0" brushRef="#br0" timeOffset="-130055.53">14378 8472 0,'0'0'0,"0"0"15,0 0-15,0 0 16,0 0 0,0 0-16,23 0 15,21 0 1,27 0-16,-1 0 16,6 0-16,11 0 15,2 0 1,-3 0-16,0 5 15,6 0 1,3 0-16,9-3 16,1 1-1,7-3-15,11 0 16,13-5-16,14 0 16,-9 5-1,-6 3-15,1 4 16,-9-1-16,7-2 15,3 1 1,11-5-16,-2 1 16,1 2-1,-1-3-15,-1-3 16,-2 2-16,2-2 16,-3 1-1,0 0-15,-6 4 16,3 0-1,-4 1-15,5-3 16,-4-3-16,1 1 16,-4 0-1,-8 0-15,-2 2 16,1-2 0,-10 2-16,-5 0 15,3 0 1,-6-3-16,-3 2 15,-11 1-15,-7 1 16,-9 4 0,-1 1-16,-2 3 15,-16-2-15,-1 0 16,4-1 0,5-3-16,3-3 15,-1 0 1,0-5-16</inkml:trace>
@@ -534,13 +543,13 @@
   <inkml:trace contextRef="#ctx0" brushRef="#br0" timeOffset="-1795.18">22857 8149 0,'0'0'16,"0"0"-1,0 0-15,0 0 16,0 0 0,0 0-16,0 0 15,-18 0-15,-17 5 16,-8-3-1,4 2-15,4 1 16,2-5 0,3-7-16,5-2 15,3-4-15,-1-5 16,6 1 0,-1-4-16,2 3 15,0-2-15,1 0 16,1-5-1,14 25-15,-13-28 16,13 28 0,-8-33-16,8 33 15,-3-34-15,3 34 16,3-37 0,8 2-16,-11 35 15,17-31 1,9 4-16,-26 27 15,35-25-15,9 0 16,-44 25 0,46-15-16,-46 15 15,53-11 1,-2 8-16,-4 6 16,-47-3-16,45 8 15,-2 6 1,-4 1-16,-1 4 15,-38-19 1,35 22-16,-4 5 16,-5 4-16,-4-4 15,-11-3 1,-4 1-16,-5 2 16,-6 0-1,-10-3-15,-3 3 16,-4-2-16,-1-4 15,3 0 1,0-6-16,1-6 16,2-2-1,6-4-15,0-2 16,2-1-16,1 0 16,1 3-1,4 1 1,4 0-16,6 1 15</inkml:trace>
   <inkml:trace contextRef="#ctx0" brushRef="#br0" timeOffset="-1170.22">23062 8375 0,'0'0'0,"0"0"15,0 0 1,0 0-16,-21 12 16,-3 5-16,-7 10 15,6 9 1,9 8 0,8 3-16,8 2 15,13 1-15,10-6 16,10-6-1,7-6-15,8-10 16,-4-9-16,0-13 16,-3-6-1,-8-11-15,-10-6 16,-6-11-16,-2-16 16,-13-1-1,-9-3-15,-10 3 16,-9 6-1,-5 3-15,-9 13 16,-3 9-16,-6 13 16,-3 17-1,2 11-15,-3 15 16,10 9 0,6 2-16,37-47 15,-24 46-15</inkml:trace>
   <inkml:trace contextRef="#ctx0" brushRef="#br0" timeOffset="-873.52">23401 8174 0,'0'0'0,"0"0"15,0 0-15,-10 20 16,-11 15 0,-12 26-16,-8 8 15,-10 30 1,-9 12-16,0 3 16,7-9-16,10-13 15,7-21 1,36-71-16,-24 63 15,24-63 1,0 0-16,-13 42 16,15-10-16</inkml:trace>
-  <inkml:trace contextRef="#ctx0" brushRef="#br0" timeOffset="-623.58">23454 8915 0,'0'0'0,"0"0"16,0 0-16,0 0 15,-8 21 1,2 12-16,-3 19 16</inkml:trace>
-  <inkml:trace contextRef="#ctx0" brushRef="#br0" timeOffset="16.99">23788 8393 0,'0'0'15,"0"0"1,0 0-16,-17 17 15,-3 15-15,-6 8 16,9 9 0,3 5-16,8 1 15,10 4 1,8-6-16,7-1 16,5-12-16,8-7 15,4-17 1,4-16-16,-4-16 15,-2-10 1,-8-8-16,-9-6 16,-4 0-16,-13 0 15,-13 0 1,-6 5-16,-8 7 16,-10 5-1,-7 12-15,1 5 16,-8 12-1,5 10-15,4 7 16,42-23-16,-30 30 16</inkml:trace>
+  <inkml:trace contextRef="#ctx0" brushRef="#br0" timeOffset="-623.59">23454 8915 0,'0'0'0,"0"0"16,0 0-16,0 0 15,-8 21 1,2 12-16,-3 19 16</inkml:trace>
+  <inkml:trace contextRef="#ctx0" brushRef="#br0" timeOffset="16.98">23788 8393 0,'0'0'15,"0"0"1,0 0-16,-17 17 15,-3 15-15,-6 8 16,9 9 0,3 5-16,8 1 15,10 4 1,8-6-16,7-1 16,5-12-16,8-7 15,4-17 1,4-16-16,-4-16 15,-2-10 1,-8-8-16,-9-6 16,-4 0-16,-13 0 15,-13 0 1,-6 5-16,-8 7 16,-10 5-1,-7 12-15,1 5 16,-8 12-1,5 10-15,4 7 16,42-23-16,-30 30 16</inkml:trace>
   <inkml:trace contextRef="#ctx0" brushRef="#br0" timeOffset="360.57">24148 8176 0,'0'0'0,"0"0"15,0 0-15,-13 18 16,-12 12 0,-13 22-16,-7 20 15,-16 27-15,-9 23 16,-5 10-1,7-4-15,9-17 16,17-19 0,42-92-16,-32 72 15,32-72-15,0 0 16,0 0 0,-16 51-16,16-51 15,-4 22 1,4-22-16,2 7 15,12-9-15</inkml:trace>
   <inkml:trace contextRef="#ctx0" brushRef="#br0" timeOffset="485.64">24027 9072 0,'0'0'15,"0"0"1,0 0-16</inkml:trace>
-  <inkml:trace contextRef="#ctx0" brushRef="#br0" timeOffset="8202.46">23579 6239 0,'0'0'0,"0"0"15,0 0 1,0 0-16,0 0 16,0 0-1,0 0-15,17-1 16,18-8-16,19-2 16,2 8-1,-2 0-15,4 6 16,2 3-1,8-2-15,7 4 16,17-6 0,4 2-16,8 0 15,0-1-15,6 1 16,1 0 0,8 1-16,12 2 15,12-1 1,8 3-16,-2-4 15,3 1-15,5-3 16,-3-1 0,2-2-16,-1 0 15,5 0 1,3 0-16,-3 0 16,-8 2-16,-1 1 15,-2 1 1,5 0-16,3 3 15,1-1 1,17 1-16,-5 1 16,-2-4-16,-8 0 15,-3 0 1,-10 3-16,1 0 16,-9 2-1,1-2-15,-6-1 16,-9 1-1,-7-3-15,-8 3 16,-14-2-16,-10-1 16,-17 1-1,-69-5-15,53 6 16,-53-6-16,44 7 16,-44-7-1,0 0-15,46 18 16</inkml:trace>
+  <inkml:trace contextRef="#ctx0" brushRef="#br0" timeOffset="8202.45">23579 6239 0,'0'0'0,"0"0"15,0 0 1,0 0-16,0 0 16,0 0-1,0 0-15,17-1 16,18-8-16,19-2 16,2 8-1,-2 0-15,4 6 16,2 3-1,8-2-15,7 4 16,17-6 0,4 2-16,8 0 15,0-1-15,6 1 16,1 0 0,8 1-16,12 2 15,12-1 1,8 3-16,-2-4 15,3 1-15,5-3 16,-3-1 0,2-2-16,-1 0 15,5 0 1,3 0-16,-3 0 16,-8 2-16,-1 1 15,-2 1 1,5 0-16,3 3 15,1-1 1,17 1-16,-5 1 16,-2-4-16,-8 0 15,-3 0 1,-10 3-16,1 0 16,-9 2-1,1-2-15,-6-1 16,-9 1-1,-7-3-15,-8 3 16,-14-2-16,-10-1 16,-17 1-1,-69-5-15,53 6 16,-53-6-16,44 7 16,-44-7-1,0 0-15,46 18 16</inkml:trace>
   <inkml:trace contextRef="#ctx0" brushRef="#br0" timeOffset="8863.19">28885 6057 0,'0'0'0,"0"0"16,0 0 0,0 0-1,0 0-15,0 0 0,21 8 16,19 5-1,20 12-15,1 0 16,7 1-16,24 1 16,8 2-1,2-1-15,-11 0 16,-8-2 0,-12-1-16,-8 0 15,-13-1-15,-6-1 16,-4 4-1,-40-27-15,32 31 16,-8 0 0,-15 1-16,-18-8 15,-12-2 1,-18-2-16,-29 4 16,-14 4-16,-39 5 15,-31 5 1,-4 2-16,8-2 15,23-4 1,20-1-16,18-2 16,18-3-16,69-28 15,0 0 1,0 0-16,-51 15 16,23-8-16,28-7 15,-6 0 1,14-2-16,13-1 15,12-2 1</inkml:trace>
-  <inkml:trace contextRef="#ctx0" brushRef="#br0" timeOffset="9003.8">29435 6726 0,'0'0'0,"0"0"16,0 0-16,0 0 16</inkml:trace>
+  <inkml:trace contextRef="#ctx0" brushRef="#br0" timeOffset="9003.79">29435 6726 0,'0'0'0,"0"0"16,0 0-16,0 0 16</inkml:trace>
   <inkml:trace contextRef="#ctx0" brushRef="#br0" timeOffset="9691.14">25952 5343 0,'0'0'0,"0"0"16,-12-18-16,-1-8 15,1-6 1,12 7-16,16 5 16,15-2-16,24 2 15,5 4 1,5 7-16,-8 9 16,-7 15-1,-12 4-15,-19 10 16,-17 2-16,-15 9 15,-20 16 1,-15 4-16,-24 23 16,-16 11-1,1-3-15,12-10 16,20-18-16,55-63 16,-31 42-1,23-20-15</inkml:trace>
   <inkml:trace contextRef="#ctx0" brushRef="#br0" timeOffset="9972.32">26631 5055 0,'0'0'15,"0"0"1,-23 18-16,-12 11 15,-17 19-15,6 18 16,0 23 0,11 18-16,24-8 15,17-8-15,12-12 16,6-4 0,10-6-16,5-8 15,-4-16 1,8-16-16,10-10 15</inkml:trace>
   <inkml:trace contextRef="#ctx0" brushRef="#br0" timeOffset="10331.61">26992 4905 0,'0'0'15,"0"0"1,0 0-16,16 0 16,22 0-1,16 4-15,-4 1 16,-11 4-16,-5 0 15,-9 0 1,-12 4-16,-13 5 16,-13 9-1,-10 3-15,-17 5 16,-20 18 0,-27 16-16,-7 3 15,94-72-15,-86 69 16</inkml:trace>
@@ -562,7 +571,7 @@
   <inkml:trace contextRef="#ctx0" brushRef="#br0" timeOffset="26234.16">20914 12435 0,'0'0'0,"0"0"16,0 0-16</inkml:trace>
   <inkml:trace contextRef="#ctx0" brushRef="#br0" timeOffset="32020.48">11623 13923 0,'0'0'0,"0"0"16,0 0-1,18 4-15,19-2 0,26 5 16,11 0-1,22 0-15,17-5 16,13-7-16,18-2 16,11 1-1,47-1-15,19-2 16,-4 2 0,-9 3-16,-6 4 31,11 2-31,10 10 0,8-1 31,-2 0-31,2 2 0,-6 0 16,0-2-16,-7-1 15,-1-2-15,-12-1 16,-23 2 0,-8 0-16,-13 4 15,-1 3 1,-6-2-16,-12-5 15,-10-1 17,-18-3-32,-14 2 0,-12-5 0,-18-2 15</inkml:trace>
   <inkml:trace contextRef="#ctx0" brushRef="#br0" timeOffset="32754.68">14620 9892 0,'0'0'16,"0"0"-16,0 0 16,0 0-1,-5 27-15,-2 25 16,-6 32 0,-5 25-16,1 12 15,-6 20-15,0 25 16,4 12-1,-4 16-15,-4 21 16,-2 15 0,-7 36-16,3 7 15,0 17-15,5 18 16,4 13 0,-1 10-16,10 10 15,7 3 1,2 2-16,0 0 15,0-8-15,2-17 16,8-15 0,-2-24-16,2-32 15,2-42 1,-3-48-16,0-30 16,-3-30-16,0-26 15,0-74 1,0 0-16,0 0 15,6 51 1,7-23-16,3-22 16,-1-12-16</inkml:trace>
-  <inkml:trace contextRef="#ctx0" brushRef="#br0" timeOffset="32879.76">14303 16395 0,'0'0'16,"0"0"-16,0 0 16,0 0-16</inkml:trace>
+  <inkml:trace contextRef="#ctx0" brushRef="#br0" timeOffset="32879.75">14303 16395 0,'0'0'16,"0"0"-16,0 0 16,0 0-16</inkml:trace>
   <inkml:trace contextRef="#ctx0" brushRef="#br0" timeOffset="39690.56">14479 14095 0,'0'0'15,"0"0"-15,0 0 16,-23 6-1,-12 3-15,-20 9 16,16-2 0,0-1-16,-2-1 15,41-14-15,-49 9 16,49-9 0,-57 6-16,2-10 15,5-10-15,13-10 16,12-9-1,6-12-15,13-7 16,8-3 0,4 1-16,7 0 15,4 7 1,-17 47-16,29-42 16,9 6-16,12 14 15,-1 13 1,0 12-1,-2 10-15,-3 8 16,-6 13-16,-9 9 16,-7 10-16,-15 17 15,-7 10 1,-15 27-16,-3 16 16,3-7-1,9-19-15,14-33 16</inkml:trace>
   <inkml:trace contextRef="#ctx0" brushRef="#br0" timeOffset="40206.06">14622 14314 0,'0'0'0,"0"0"16,0 0-1,-18 25-15,-7 12 16,-8 28 0,7 9-16,7 24 15,10 14 1,16-21-16,8-19 15,-15-72-15,25 45 16,4-16 0,4-14-16,-4-17 15,1-11 1,-1-16-16,0-14 16,-9-6-16,-11-3 15,-7 1 1,-9 4-16,-7 7 15,-5 7-15,-7 5 16,-1 11 0,-5 5-16,-6 10 15,-9 11 1,0 9-16,3 14 16,3 8-16,10 6 15,11 0 1,11-9-16</inkml:trace>
   <inkml:trace contextRef="#ctx0" brushRef="#br0" timeOffset="40456.01">14868 14289 0,'0'0'0,"-27"25"16,-9 9-1,-20 29-15,-13 27 16,-5 20-16,10 4 16,7-3-1,17-10-15,14-13 16,10-11-16</inkml:trace>
@@ -572,7 +581,7 @@
   <inkml:trace contextRef="#ctx0" brushRef="#br0" timeOffset="43283.46">14654 13440 0,'0'0'15,"0"0"-15,0 0 16,0 0-16,-15-2 16,-4-6-1,3-7-15,24-2 16,17-15-1,14-7-15,9-8 16,2 8-16,3 10 16,-53 29-1,48-14-15,-11 21 16,-14 22 0,-19 9-16,-19 25 15,-14 14-15,-21 38 16,-12 23-1,3-14-15,59-124 16,0 0 0,-33 80-16,37-58 15,23-42-15</inkml:trace>
   <inkml:trace contextRef="#ctx0" brushRef="#br0" timeOffset="43533.41">15326 13037 0,'0'0'16,"-29"17"-16,-10 7 15,-18 21 1,-3 10-16,-9 26 16,10 17-16,20-5 15,20-13 1,19-14-16,13-21 15,14-9 1,15-10-16,17-6 16,7-9-16,7-8 15,-1-12 1</inkml:trace>
   <inkml:trace contextRef="#ctx0" brushRef="#br0" timeOffset="43923.93">15403 13501 0,'0'0'16,"0"0"0,0 0-16,0 0 15,0 0-15,21 0 16,26 0-1,30 0-15,18 0 16,3 0-16,0 0 16,6 0-1,0 0-15,6 0 16,6 0 0,4 0-16,3 0 15,2 1-15,-6 2 16,-1-1-1,-10 2-15,-26 3 16,-17 0 0,-65-7-16,0 0 15,0 0-15,39 4 16,-18-4 0,-16 0-16,-16-4 15</inkml:trace>
-  <inkml:trace contextRef="#ctx0" brushRef="#br0" timeOffset="44330.19">16808 13310 0,'0'0'0,"0"0"16,0 0-16,0 0 15,21 8 1,24 1-16,27 8 15,-12 1 1,-2 0-16,-3 2 16,-7 0-16,-6 2 15,-42-22 1,30 26-16,-30-26 16,17 21-1,-19-1-15,-15-2 16,-19 5-16,-27 10 15,-9 11 1,-30 17-16,-21 19 16,11-1-1,26-17-15,86-62 16,0 0-16,-43 34 16,32-21-1,22-13-15,17-9 16</inkml:trace>
+  <inkml:trace contextRef="#ctx0" brushRef="#br0" timeOffset="44330.18">16808 13310 0,'0'0'0,"0"0"16,0 0-16,0 0 15,21 8 1,24 1-16,27 8 15,-12 1 1,-2 0-16,-3 2 16,-7 0-16,-6 2 15,-42-22 1,30 26-16,-30-26 16,17 21-1,-19-1-15,-15-2 16,-19 5-16,-27 10 15,-9 11 1,-30 17-16,-21 19 16,11-1-1,26-17-15,86-62 16,0 0-16,-43 34 16,32-21-1,22-13-15,17-9 16</inkml:trace>
   <inkml:trace contextRef="#ctx0" brushRef="#br0" timeOffset="44455.18">17220 13860 0,'0'0'15,"0"0"-15,0 0 16,0 0-1</inkml:trace>
   <inkml:trace contextRef="#ctx0" brushRef="#br0" timeOffset="47267.02">13489 13121 0,'0'0'0,"0"0"16,0 0-16,-11-10 15,-5-7 1,-4-9-16,9-5 16,2-6-1,7-24-15,4-8 16,0-16-16,7-38 15,5-33 1,1-16-16,-1-2 16,1 4-16,1 2 15,4-4 1,0 0-16,1-9 16,-4-6-1,3 1-15,-1 9 16,-4 16-16,-8 10 15,-1 15 1,0 15-16,6 18 16,-1 20-1,-11 83-15,6-69 16,-6 69-16,0-38 16,-8 15-1,-7 26-15,-6 13 16,-13 15-1,-15 25-15,-29 36 16,-22 37 0,-6 25-16,11-1 15,12-8-15,13-18 16,13-17 0,10-19-16,8-17 15,39-74-15,0 0 16,-21 51-1,13-33-15,18-32 16,5-19 0,12-30-16</inkml:trace>
   <inkml:trace contextRef="#ctx0" brushRef="#br0" timeOffset="47563.7">13447 9914 0,'0'0'0,"4"-22"15,5-14-15,11-13 16,4 22 0,1 16-16,2 11 15,4 9 1,4 12-16,13 16 16,3 14-16,3 12 15,12 29 1,2 19-16,-13 8 15,-14-7 1,-16-23-16,-10-22 16,-15-67-16,9 45 15,-9-45 1,0 0-16,9 31 16,4-9-1,10-11-15</inkml:trace>
@@ -594,6 +603,55 @@
   <inkml:trace contextRef="#ctx0" brushRef="#br0" timeOffset="108340.61">22662 7839 0,'0'0'16,"0"0"-1,0 0-15,0 0 16,0 0-16,21 6 16,18 8-1,10 6-15,-8 0 16,-1 2 0,2 3-16,3 3 15,2-5-15,2 4 16,5-2-1,2 0-15,2-2 16,2 5 0,0-4-16,2 5 15,3 0-15,-3 6 16,5-2 0,-2 5-16,14 6 15,8 3 1,3 0-16,-2-6 15,-6-6-15,4 3 16,2 1 0,2 2-16,1 2 15,-2 0 1,-3 1-16,-6-2 16,3 1-16,3 1 15,11 3 1,-6 0-16,3-2 15,-6 2 1,1-3-16,-4 1 16,-1-2-16,2-1 15,-2-1 1,6-4-16,6 6 16,-4 1-1,-5-1-15,-5-1 16,-5-1-1,3 3-15,-2 1 16,5-1-16,-3 4 16,1-2-1,-2 0-15,2 0 16,-2-1 0,0-1-16,-2-1 15,-1 0-15,0-3 16,-2-3-1,-5 1-15,-5-4 16,-12-4 0,-2-4-16,1 1 15,-4-1-15,0 1 16,-4 0 0,-2 0-1,2-3-15,-3 1 16,-2 2-16,-2-5 15,-1 3 1,-35-25-16,36 22 16,-36-22-16,37 29 15,-37-29 1,40 30-16,-40-30 16,0 0-16,35 26 15,-35-26 1,0 0-16,32 25 15</inkml:trace>
   <inkml:trace contextRef="#ctx0" brushRef="#br0" timeOffset="115713.88">27866 10553 0,'0'0'15,"0"0"1,0 0-16,0 7 15,0 0 1,0 0-16,0-5 16,0-4-16,0-19 15,5-26 1,1-29-16,10-22 16,4-6-1,5-6-15,-5-4 16,9 4-16,6 5 15,12 2 1,5 0-16,9 3 16,8-2-1,11 1-15,-2 11 16,5 8-16,0 16 16,-10 11-1,0 12-15,-7 10 16,-1 11-1,-9 10-15,-3 6 16,5 7-16,1 9 16,0 8-1,0 8-15,-3 8 16,-4 11 0,-4 6-16,-2 12 15,2 19-15,-4 19 16,-16 0-1,-10-3-15,-5 2 16,-6 4-16,-7 2 16,-12 2-1,-3 4-15,-7 0 16,-12-1 0,-6 9-16,-13 3 15,-6-9 1,-4-8-16,-3-8 15,-9-5-15,-4-2 16,-13-5 0,-10-7-16,-11-8 15,-9-4 1,-16-5-16,-2-8 16,-5-7-16,-7 0 15,-7-3 1,3-3-16,1-5 15,4-5 1,-5-1-16,-10 4 16,1 0-1,-1-3-15,4 5 16,9 2-16,14 0 16,12 0-1,20-2-15,13 2 16,8 2-16,11 2 15,12 0 1,8 6-16,14-10 16,10 0-1,4 7-15,8 2 16,7 1 0,12 4-16,7 2 15,4-1-15,7 5 16,8 3-1,3 0-15,13 3 16,10 13 0,11 0-16,6-6 15,5-8-15,4-7 16,5-11 0,-5-10-16,7-3 15,4-8-15,9-6 16,4-9-1,5-12-15,3-9 16,-1-9 0,7-12-16,9-12 15,4-9 1,4-2-16,-10 0 16,-7 8-16,-3-2 15,6 6 1,-5 1-16,-5 8 15,-7 3 1,0 7-16,-6 6 16,-2 5-16,-1 5 15,3 7 1,18 2-16,5 7 16,11 11-1,4 15-15,-2 20 16,-16 22-16,-15 14 15</inkml:trace>
   <inkml:trace contextRef="#ctx1" brushRef="#br0">25894 6738 0</inkml:trace>
+</inkml:ink>
+</file>
+
+<file path=ppt/ink/ink6.xml><?xml version="1.0" encoding="utf-8"?>
+<inkml:ink xmlns:inkml="http://www.w3.org/2003/InkML">
+  <inkml:definitions>
+    <inkml:context xml:id="ctx0">
+      <inkml:inkSource xml:id="inkSrc0">
+        <inkml:traceFormat>
+          <inkml:channel name="X" type="integer" max="32767" units="cm"/>
+          <inkml:channel name="Y" type="integer" max="32767" units="cm"/>
+          <inkml:channel name="T" type="integer" max="2.14748E9" units="dev"/>
+        </inkml:traceFormat>
+        <inkml:channelProperties>
+          <inkml:channelProperty channel="X" name="resolution" value="284.93042" units="1/cm"/>
+          <inkml:channelProperty channel="Y" name="resolution" value="504.1077" units="1/cm"/>
+          <inkml:channelProperty channel="T" name="resolution" value="1" units="1/dev"/>
+        </inkml:channelProperties>
+      </inkml:inkSource>
+      <inkml:timestamp xml:id="ts0" timeString="2024-09-09T07:17:40.398"/>
+    </inkml:context>
+    <inkml:brush xml:id="br0">
+      <inkml:brushProperty name="width" value="0.05292" units="cm"/>
+      <inkml:brushProperty name="height" value="0.05292" units="cm"/>
+      <inkml:brushProperty name="color" value="#FF0000"/>
+    </inkml:brush>
+    <inkml:context xml:id="ctx1">
+      <inkml:inkSource xml:id="inkSrc6">
+        <inkml:traceFormat>
+          <inkml:channel name="X" type="integer" max="3840" units="cm"/>
+          <inkml:channel name="Y" type="integer" max="1080" units="cm"/>
+          <inkml:channel name="T" type="integer" max="2.14748E9" units="dev"/>
+        </inkml:traceFormat>
+        <inkml:channelProperties>
+          <inkml:channelProperty channel="X" name="resolution" value="72.86527" units="1/cm"/>
+          <inkml:channelProperty channel="Y" name="resolution" value="36.48649" units="1/cm"/>
+          <inkml:channelProperty channel="T" name="resolution" value="1" units="1/dev"/>
+        </inkml:channelProperties>
+      </inkml:inkSource>
+      <inkml:timestamp xml:id="ts1" timeString="2024-09-09T08:06:54.071"/>
+    </inkml:context>
+  </inkml:definitions>
+  <inkml:trace contextRef="#ctx0" brushRef="#br0">22239 6849 0,'0'31'16,"0"18"0,0 29-16,0 39 15,0 21 1,-4 18-1,0 55-15,-5 30 16,0 4-16,-2 1 16,0 4-1,2-1-15,-1 1 16,4-4-16,-4-7 16,6-11-1,4-11-15,6-19 16,2-39-1,3-25-15,3-31 16,-14-103-16,15 78 16</inkml:trace>
+  <inkml:trace contextRef="#ctx0" brushRef="#br0" timeOffset="1119.64">22720 6726 0,'34'0'0,"28"0"16,34 0 0,38 0-16,16-4 15,39-4 1,15 7-1,5-2-15,-7 1 16,-7-4-16,-9-3 16,-10-2-1,-24-1-15,-14 5 16,-11 3 0,-18 4-16,-9 2 15,-8 9 1,-10 5-16,-9 9 15,-3 8-15,-7 10 16,-5 8 0,-11 12-16,-9 8 15,-5 11 1,-6 8-16,-7 13 16,-4 15-16,-1 16 15,-8 17 1,-2 6-16,-5 11 15,0 2 1,0 7-16,2-1 16,6 5-16,3 2 15,9 0 1,4-8-16,-3-12 16,-3-5-1,1-6-15,-11-11 16,1-9-16,-7-16 15,-6-4 1,-9-16-16,-14-7 16,-14-15-1,-6-12-15,-17-5 16,-19-13 0,-15-8-16,-23-7 15,-12-11-15,-20-9 16,-13-14-1,-8-8-15,-2-12 16,-5-6 0,-12-5-16,-7 5 15,-3 2 1,-3 4-16,9 6 16,10 1-16,6 8 15,3 6 1,20 4-16,13 4 15,18 3 1,27-1-16,18 2 16,19-7-16,63-1 15,0 0 1,0 0-16,-39-4 16,39 4-1,0 0-15,0 0 16,-29-8-16,29 8 15,0 0-15,0 0 16,-14-12 0,12 1-16,12-5 15</inkml:trace>
+  <inkml:trace contextRef="#ctx0" brushRef="#br0" timeOffset="1648.72">24062 8549 0,'0'0'15,"16"-13"-15,12-4 16,12-9-16,18 5 15,11 2 1,14 4-16,36-3 16,39-1-1,23 5-15,5-3 16,1 1-16,1-3 16,4-3-1,9-5-15,14-3 16,4 3-1,10 1-15,-8 8 16,-4 5-16,-2 6 16,-16 7-1,-2 2 1,-3 9-16,-8 0 16,-16 6-1,-25 1-15,-26-3 16,-32-4-16,-87-11 15,0 0-15,0 0 16,53 6 0,-33-8-16,-27-5 15,-19-1 1,-21-6-16</inkml:trace>
+  <inkml:trace contextRef="#ctx0" brushRef="#br0" timeOffset="2188.51">27465 7713 0,'0'0'15,"0"0"-15,27 5 16,30-2-1,37 8-15,22 4 16,9 14-16,9 7 16,3 4-1,-6 5-15,-10 1 16,-13-1-16,-16 0 16,-18-4-1,-15 3-15,-26-8 16,-15 6-16,-20 4 15,-22 7-15,-34 6 16,-47 20-16,-52 19 16,-35 10-1,-13-2-15,28-16 16,34-14 0,18-5-16,20-10 15,30-10 1,25-13-1,50-38-15,0 0 16,0 0 0,-28 25-16,28-25 15,0 0-15,0 0 16,-14 11 0,12-9-16,14-4 15,14-2-15</inkml:trace>
+  <inkml:trace contextRef="#ctx0" brushRef="#br0" timeOffset="2344.84">27975 9032 0,'0'0'0,"0"0"16,0 0-16,0 0 15</inkml:trace>
+  <inkml:trace contextRef="#ctx0" brushRef="#br0" timeOffset="5175.21">29337 6817 0,'0'29'0,"-5"16"15,-2 23 1,-8 16-16,-3 26 15,3 20 1,1 19-16,0 29 16,3 21-16,-2 9 15,-5 11-15,-4 14 32,2-7-17,5-10-15,2-8 16,5-27-16,6-16 15,8-20 1,3-19-16,8-34 16,5-26-16,-1-25 15,6-13 1,9-5-16,9-8 16,8-10-16,17-5 15,12-9-15,32-5 16,30-4-1,14 3-15,14 4 16,-1 7 0,-3 9-16,5 10 15,1 11-15,-2 4 32,-1 5-32,-5 3 15,-10 1 1,-10-4-16,-22-8 15,-23-12-15,-25-8 16,-23-14-16,-21-8 16,-14-10-1,-1-6-15,-6-16 16,-1-24-16,-1-19 16,-3-41-1,4-44-15,2-30 16,-1-15-16,2-5 15,2 10 1,-1 19-16,4-4 16,-4-3-16,3-5 15,2 12-15,-2 19 16,-4 19 15,1 8-31,-5 16 16,-3 22-16,-6 16 15,-4 14 1,-5 12-16,-12 28 16,-9 4-16,-21 7 15,-16 4-15,-20 4 16,-40 6 0,-46 3-16,-35 5 15,-20 1-15,-24 1 16,4 0-1,5 2-15,2 5 16,13 3 0,12 4-16,17 6 15,36-3-15,18 5 16,16 0 0,17 0-16,11 0 15</inkml:trace>
+  <inkml:trace contextRef="#ctx1" brushRef="#br0">3581 3792 0,'35'0'63,"0"0"-48,18 0-15,35 0 16,18 18-16,88 0 16,-53-18-16,-35 0 15,141 17-15,-106-17 16,71 0-16,-36 0 16,-17-17-16,53-1 0,-36 0 15,0 18-15,36-17 16,0-19-16,-89 19 31,54-1-31,-19 1 16,54-19-16,-53-17 15,-18 36-15,18-19 16,35 1-16,-36 35 16,-34-35-16,17 35 15,18-18-15,-18 18 16,-18 0-16,1 0 15,35 0-15,-1 0 0,89 0 16,-88-17 0,106 17-16,-54-18 0,1 18 15,-36 0-15,18 0 16,-52 0-16,52 0 16,-18 0-16,18 0 15,18 0-15,17 0 16,36 0-16,17 0 31,247 0-31,-106 0 16,159 35-16,0-35 15,-52 0-15,-1 18 16,106-18-16,-212 0 16,71 0-16,-124 0 15,-70 0-15,-53 0 0,-35 0 16,-18 0-16,0 17 15,18-17-15,-107 0 16,72 0-16,-107 0 16,54 0-16,-54 0 15,-17 0-15,18 0 16,52 0-16,-70 0 16,-17 0-16,34-17 15,-17 17-15,18 0 16,-54 0-16,1 0 15,35-18 1,-36 18 0,19 0-1,-19 0 1,19 0-16,34 0 0,1 0 16,34 0-16,54 0 15,-18 0-15,0 0 16,54 0-16,-72 0 15,36 0-15,-18 0 16,-18 0-16,-35 0 16,-52 0-16,17 0 15,0 0-15,0 0 16,-1 0-16,-16 0 16,17 0-16,-36 0 15,1 0 1,0 0 78,34 0-94,19 0 15</inkml:trace>
 </inkml:ink>
 </file>
 
@@ -3846,15 +3904,7 @@
             </a:r>
             <a:r>
               <a:rPr lang="ko-KR" altLang="en-US" dirty="0"/>
-              <a:t>일 </a:t>
-            </a:r>
-            <a:r>
-              <a:rPr lang="ko-KR" altLang="en-US" dirty="0" err="1"/>
-              <a:t>본수업</a:t>
-            </a:r>
-            <a:r>
-              <a:rPr lang="ko-KR" altLang="en-US" dirty="0"/>
-              <a:t> 필기</a:t>
+              <a:t>일 수업 정리</a:t>
             </a:r>
           </a:p>
         </p:txBody>
@@ -3888,6 +3938,221 @@
     <p:extLst>
       <p:ext uri="{BB962C8B-B14F-4D97-AF65-F5344CB8AC3E}">
         <p14:creationId xmlns:p14="http://schemas.microsoft.com/office/powerpoint/2010/main" val="3661397146"/>
+      </p:ext>
+    </p:extLst>
+  </p:cSld>
+  <p:clrMapOvr>
+    <a:masterClrMapping/>
+  </p:clrMapOvr>
+</p:sld>
+</file>
+
+<file path=ppt/slides/slide10.xml><?xml version="1.0" encoding="utf-8"?>
+<p:sld xmlns:a="http://schemas.openxmlformats.org/drawingml/2006/main" xmlns:r="http://schemas.openxmlformats.org/officeDocument/2006/relationships" xmlns:p="http://schemas.openxmlformats.org/presentationml/2006/main">
+  <p:cSld>
+    <p:spTree>
+      <p:nvGrpSpPr>
+        <p:cNvPr id="1" name=""/>
+        <p:cNvGrpSpPr/>
+        <p:nvPr/>
+      </p:nvGrpSpPr>
+      <p:grpSpPr>
+        <a:xfrm>
+          <a:off x="0" y="0"/>
+          <a:ext cx="0" cy="0"/>
+          <a:chOff x="0" y="0"/>
+          <a:chExt cx="0" cy="0"/>
+        </a:xfrm>
+      </p:grpSpPr>
+      <p:sp>
+        <p:nvSpPr>
+          <p:cNvPr id="2" name="제목 1">
+            <a:extLst>
+              <a:ext uri="{FF2B5EF4-FFF2-40B4-BE49-F238E27FC236}">
+                <a16:creationId xmlns:a16="http://schemas.microsoft.com/office/drawing/2014/main" id="{92F35EDD-6B85-4DE9-8F11-C0820B8C1F74}"/>
+              </a:ext>
+            </a:extLst>
+          </p:cNvPr>
+          <p:cNvSpPr>
+            <a:spLocks noGrp="1"/>
+          </p:cNvSpPr>
+          <p:nvPr>
+            <p:ph type="title"/>
+          </p:nvPr>
+        </p:nvSpPr>
+        <p:spPr/>
+        <p:txBody>
+          <a:bodyPr/>
+          <a:lstStyle/>
+          <a:p>
+            <a:r>
+              <a:rPr lang="en-US" altLang="ko-KR" dirty="0"/>
+              <a:t>API </a:t>
+            </a:r>
+            <a:r>
+              <a:rPr lang="ko-KR" altLang="en-US" dirty="0"/>
+              <a:t>프로그래밍 방식</a:t>
+            </a:r>
+          </a:p>
+        </p:txBody>
+      </p:sp>
+      <p:sp>
+        <p:nvSpPr>
+          <p:cNvPr id="3" name="내용 개체 틀 2">
+            <a:extLst>
+              <a:ext uri="{FF2B5EF4-FFF2-40B4-BE49-F238E27FC236}">
+                <a16:creationId xmlns:a16="http://schemas.microsoft.com/office/drawing/2014/main" id="{1E664E73-7551-42AC-81B0-37AE2A43FF22}"/>
+              </a:ext>
+            </a:extLst>
+          </p:cNvPr>
+          <p:cNvSpPr>
+            <a:spLocks noGrp="1"/>
+          </p:cNvSpPr>
+          <p:nvPr>
+            <p:ph idx="1"/>
+          </p:nvPr>
+        </p:nvSpPr>
+        <p:spPr/>
+        <p:txBody>
+          <a:bodyPr/>
+          <a:lstStyle/>
+          <a:p>
+            <a:r>
+              <a:rPr lang="en-US" altLang="ko-KR" dirty="0"/>
+              <a:t> OS</a:t>
+            </a:r>
+            <a:r>
+              <a:rPr lang="ko-KR" altLang="en-US" dirty="0"/>
+              <a:t>에게 요청하는 방식으로 프로그램을 작성한다</a:t>
+            </a:r>
+            <a:r>
+              <a:rPr lang="en-US" altLang="ko-KR" dirty="0"/>
+              <a:t>.</a:t>
+            </a:r>
+          </a:p>
+          <a:p>
+            <a:endParaRPr lang="en-US" altLang="ko-KR" dirty="0"/>
+          </a:p>
+          <a:p>
+            <a:r>
+              <a:rPr lang="en-US" altLang="ko-KR" dirty="0"/>
+              <a:t> </a:t>
+            </a:r>
+            <a:r>
+              <a:rPr lang="ko-KR" altLang="en-US" dirty="0"/>
+              <a:t>타이머도 역시 </a:t>
+            </a:r>
+            <a:r>
+              <a:rPr lang="en-US" altLang="ko-KR" dirty="0"/>
+              <a:t>OS</a:t>
+            </a:r>
+            <a:r>
+              <a:rPr lang="ko-KR" altLang="en-US" dirty="0"/>
+              <a:t>에게 요청해서 처리</a:t>
+            </a:r>
+            <a:endParaRPr lang="en-US" altLang="ko-KR" dirty="0"/>
+          </a:p>
+          <a:p>
+            <a:pPr lvl="1"/>
+            <a:r>
+              <a:rPr lang="en-US" altLang="ko-KR" dirty="0"/>
+              <a:t> </a:t>
+            </a:r>
+            <a:r>
+              <a:rPr lang="ko-KR" altLang="en-US" dirty="0"/>
+              <a:t>요청 시간마다 </a:t>
+            </a:r>
+            <a:r>
+              <a:rPr lang="ko-KR" altLang="en-US" dirty="0" err="1"/>
+              <a:t>쭈예갳</a:t>
+            </a:r>
+            <a:r>
+              <a:rPr lang="en-US" altLang="ko-KR" dirty="0"/>
+              <a:t> </a:t>
+            </a:r>
+            <a:r>
+              <a:rPr lang="ko-KR" altLang="en-US" dirty="0"/>
+              <a:t>을 호출해준다</a:t>
+            </a:r>
+            <a:r>
+              <a:rPr lang="en-US" altLang="ko-KR" dirty="0"/>
+              <a:t>.</a:t>
+            </a:r>
+          </a:p>
+          <a:p>
+            <a:r>
+              <a:rPr lang="en-US" altLang="ko-KR" dirty="0"/>
+              <a:t> </a:t>
+            </a:r>
+            <a:r>
+              <a:rPr lang="ko-KR" altLang="en-US" dirty="0"/>
+              <a:t>요청 </a:t>
+            </a:r>
+            <a:r>
+              <a:rPr lang="en-US" altLang="ko-KR" dirty="0"/>
+              <a:t>API : </a:t>
+            </a:r>
+            <a:r>
+              <a:rPr lang="en-US" altLang="ko-KR" dirty="0" err="1"/>
+              <a:t>SetTimer</a:t>
+            </a:r>
+            <a:endParaRPr lang="en-US" altLang="ko-KR" dirty="0"/>
+          </a:p>
+          <a:p>
+            <a:r>
+              <a:rPr lang="en-US" altLang="ko-KR" dirty="0"/>
+              <a:t> </a:t>
+            </a:r>
+            <a:r>
+              <a:rPr lang="ko-KR" altLang="en-US" dirty="0"/>
+              <a:t>윈도우 메시지 </a:t>
+            </a:r>
+            <a:r>
+              <a:rPr lang="en-US" altLang="ko-KR" dirty="0"/>
+              <a:t>:</a:t>
+            </a:r>
+            <a:r>
+              <a:rPr lang="ko-KR" altLang="en-US" dirty="0"/>
+              <a:t> </a:t>
+            </a:r>
+            <a:r>
+              <a:rPr lang="en-US" altLang="ko-KR" dirty="0"/>
+              <a:t>WM_TIMER</a:t>
+            </a:r>
+          </a:p>
+          <a:p>
+            <a:r>
+              <a:rPr lang="en-US" altLang="ko-KR" dirty="0"/>
+              <a:t> WM_CREATE : </a:t>
+            </a:r>
+            <a:r>
+              <a:rPr lang="ko-KR" altLang="en-US" dirty="0"/>
+              <a:t>프로그램 실행 시 단 한번만 호출되는 </a:t>
+            </a:r>
+            <a:r>
+              <a:rPr lang="en-US" altLang="ko-KR" dirty="0"/>
+              <a:t>WM</a:t>
+            </a:r>
+          </a:p>
+          <a:p>
+            <a:pPr marL="0" indent="0">
+              <a:buNone/>
+            </a:pPr>
+            <a:r>
+              <a:rPr lang="en-US" altLang="ko-KR" dirty="0"/>
+              <a:t>		</a:t>
+            </a:r>
+            <a:r>
+              <a:rPr lang="ko-KR" altLang="en-US" dirty="0"/>
+              <a:t>기능적으로는 생성자와 완전히 동일한 기능 수행</a:t>
+            </a:r>
+          </a:p>
+        </p:txBody>
+      </p:sp>
+    </p:spTree>
+    <p:extLst>
+      <p:ext uri="{BB962C8B-B14F-4D97-AF65-F5344CB8AC3E}">
+        <p14:creationId xmlns:p14="http://schemas.microsoft.com/office/powerpoint/2010/main" val="1026734203"/>
       </p:ext>
     </p:extLst>
   </p:cSld>
@@ -4155,8 +4420,8 @@
           </a:p>
         </p:txBody>
       </p:sp>
-      <mc:AlternateContent xmlns:mc="http://schemas.openxmlformats.org/markup-compatibility/2006">
-        <mc:Choice xmlns:p14="http://schemas.microsoft.com/office/powerpoint/2010/main" Requires="p14">
+      <mc:AlternateContent xmlns:mc="http://schemas.openxmlformats.org/markup-compatibility/2006" xmlns:p14="http://schemas.microsoft.com/office/powerpoint/2010/main">
+        <mc:Choice Requires="p14">
           <p:contentPart p14:bwMode="auto" r:id="rId2">
             <p14:nvContentPartPr>
               <p14:cNvPr id="4" name="잉크 3">
@@ -4175,7 +4440,7 @@
             </p14:xfrm>
           </p:contentPart>
         </mc:Choice>
-        <mc:Fallback>
+        <mc:Fallback xmlns="">
           <p:pic>
             <p:nvPicPr>
               <p:cNvPr id="4" name="잉크 3">
@@ -4395,8 +4660,8 @@
           </a:p>
         </p:txBody>
       </p:sp>
-      <mc:AlternateContent xmlns:mc="http://schemas.openxmlformats.org/markup-compatibility/2006">
-        <mc:Choice xmlns:p14="http://schemas.microsoft.com/office/powerpoint/2010/main" Requires="p14">
+      <mc:AlternateContent xmlns:mc="http://schemas.openxmlformats.org/markup-compatibility/2006" xmlns:p14="http://schemas.microsoft.com/office/powerpoint/2010/main">
+        <mc:Choice Requires="p14">
           <p:contentPart p14:bwMode="auto" r:id="rId2">
             <p14:nvContentPartPr>
               <p14:cNvPr id="4" name="잉크 3">
@@ -4415,7 +4680,7 @@
             </p14:xfrm>
           </p:contentPart>
         </mc:Choice>
-        <mc:Fallback>
+        <mc:Fallback xmlns="">
           <p:pic>
             <p:nvPicPr>
               <p:cNvPr id="4" name="잉크 3">
@@ -4566,8 +4831,8 @@
           </a:p>
         </p:txBody>
       </p:sp>
-      <mc:AlternateContent xmlns:mc="http://schemas.openxmlformats.org/markup-compatibility/2006">
-        <mc:Choice xmlns:p14="http://schemas.microsoft.com/office/powerpoint/2010/main" Requires="p14">
+      <mc:AlternateContent xmlns:mc="http://schemas.openxmlformats.org/markup-compatibility/2006" xmlns:p14="http://schemas.microsoft.com/office/powerpoint/2010/main">
+        <mc:Choice Requires="p14">
           <p:contentPart p14:bwMode="auto" r:id="rId2">
             <p14:nvContentPartPr>
               <p14:cNvPr id="7" name="잉크 6">
@@ -4586,7 +4851,7 @@
             </p14:xfrm>
           </p:contentPart>
         </mc:Choice>
-        <mc:Fallback>
+        <mc:Fallback xmlns="">
           <p:pic>
             <p:nvPicPr>
               <p:cNvPr id="7" name="잉크 6">
@@ -4843,8 +5108,8 @@
           </a:p>
         </p:txBody>
       </p:sp>
-      <mc:AlternateContent xmlns:mc="http://schemas.openxmlformats.org/markup-compatibility/2006">
-        <mc:Choice xmlns:p14="http://schemas.microsoft.com/office/powerpoint/2010/main" Requires="p14">
+      <mc:AlternateContent xmlns:mc="http://schemas.openxmlformats.org/markup-compatibility/2006" xmlns:p14="http://schemas.microsoft.com/office/powerpoint/2010/main">
+        <mc:Choice Requires="p14">
           <p:contentPart p14:bwMode="auto" r:id="rId2">
             <p14:nvContentPartPr>
               <p14:cNvPr id="4" name="잉크 3">
@@ -4863,7 +5128,7 @@
             </p14:xfrm>
           </p:contentPart>
         </mc:Choice>
-        <mc:Fallback>
+        <mc:Fallback xmlns="">
           <p:pic>
             <p:nvPicPr>
               <p:cNvPr id="4" name="잉크 3">
@@ -4974,8 +5239,8 @@
           </a:p>
         </p:txBody>
       </p:sp>
-      <mc:AlternateContent xmlns:mc="http://schemas.openxmlformats.org/markup-compatibility/2006">
-        <mc:Choice xmlns:p14="http://schemas.microsoft.com/office/powerpoint/2010/main" Requires="p14">
+      <mc:AlternateContent xmlns:mc="http://schemas.openxmlformats.org/markup-compatibility/2006" xmlns:p14="http://schemas.microsoft.com/office/powerpoint/2010/main">
+        <mc:Choice Requires="p14">
           <p:contentPart p14:bwMode="auto" r:id="rId2">
             <p14:nvContentPartPr>
               <p14:cNvPr id="4" name="잉크 3">
@@ -4994,7 +5259,7 @@
             </p14:xfrm>
           </p:contentPart>
         </mc:Choice>
-        <mc:Fallback>
+        <mc:Fallback xmlns="">
           <p:pic>
             <p:nvPicPr>
               <p:cNvPr id="4" name="잉크 3">
@@ -5029,6 +5294,783 @@
     <p:extLst>
       <p:ext uri="{BB962C8B-B14F-4D97-AF65-F5344CB8AC3E}">
         <p14:creationId xmlns:p14="http://schemas.microsoft.com/office/powerpoint/2010/main" val="2057657270"/>
+      </p:ext>
+    </p:extLst>
+  </p:cSld>
+  <p:clrMapOvr>
+    <a:masterClrMapping/>
+  </p:clrMapOvr>
+</p:sld>
+</file>
+
+<file path=ppt/slides/slide7.xml><?xml version="1.0" encoding="utf-8"?>
+<p:sld xmlns:a="http://schemas.openxmlformats.org/drawingml/2006/main" xmlns:r="http://schemas.openxmlformats.org/officeDocument/2006/relationships" xmlns:p="http://schemas.openxmlformats.org/presentationml/2006/main">
+  <p:cSld>
+    <p:spTree>
+      <p:nvGrpSpPr>
+        <p:cNvPr id="1" name=""/>
+        <p:cNvGrpSpPr/>
+        <p:nvPr/>
+      </p:nvGrpSpPr>
+      <p:grpSpPr>
+        <a:xfrm>
+          <a:off x="0" y="0"/>
+          <a:ext cx="0" cy="0"/>
+          <a:chOff x="0" y="0"/>
+          <a:chExt cx="0" cy="0"/>
+        </a:xfrm>
+      </p:grpSpPr>
+      <p:sp>
+        <p:nvSpPr>
+          <p:cNvPr id="2" name="제목 1">
+            <a:extLst>
+              <a:ext uri="{FF2B5EF4-FFF2-40B4-BE49-F238E27FC236}">
+                <a16:creationId xmlns:a16="http://schemas.microsoft.com/office/drawing/2014/main" id="{4AD75ED8-A01D-489C-BB2C-2F06DE2330A9}"/>
+              </a:ext>
+            </a:extLst>
+          </p:cNvPr>
+          <p:cNvSpPr>
+            <a:spLocks noGrp="1"/>
+          </p:cNvSpPr>
+          <p:nvPr>
+            <p:ph type="title"/>
+          </p:nvPr>
+        </p:nvSpPr>
+        <p:spPr/>
+        <p:txBody>
+          <a:bodyPr/>
+          <a:lstStyle/>
+          <a:p>
+            <a:r>
+              <a:rPr lang="ko-KR" altLang="en-US" dirty="0"/>
+              <a:t>임시 그리기가 지워지는 경우</a:t>
+            </a:r>
+          </a:p>
+        </p:txBody>
+      </p:sp>
+      <p:sp>
+        <p:nvSpPr>
+          <p:cNvPr id="3" name="내용 개체 틀 2">
+            <a:extLst>
+              <a:ext uri="{FF2B5EF4-FFF2-40B4-BE49-F238E27FC236}">
+                <a16:creationId xmlns:a16="http://schemas.microsoft.com/office/drawing/2014/main" id="{1399E2B8-04F6-4016-81D0-0143F938D903}"/>
+              </a:ext>
+            </a:extLst>
+          </p:cNvPr>
+          <p:cNvSpPr>
+            <a:spLocks noGrp="1"/>
+          </p:cNvSpPr>
+          <p:nvPr>
+            <p:ph idx="1"/>
+          </p:nvPr>
+        </p:nvSpPr>
+        <p:spPr/>
+        <p:txBody>
+          <a:bodyPr/>
+          <a:lstStyle/>
+          <a:p>
+            <a:r>
+              <a:rPr lang="ko-KR" altLang="en-US" dirty="0"/>
+              <a:t>임시 그리기 </a:t>
+            </a:r>
+            <a:r>
+              <a:rPr lang="en-US" altLang="ko-KR" dirty="0"/>
+              <a:t>: WM_PAINT </a:t>
+            </a:r>
+            <a:r>
+              <a:rPr lang="ko-KR" altLang="en-US" dirty="0"/>
+              <a:t>이외의 메시지에서 그리는 객체</a:t>
+            </a:r>
+            <a:r>
+              <a:rPr lang="en-US" altLang="ko-KR" dirty="0"/>
+              <a:t>.</a:t>
+            </a:r>
+          </a:p>
+          <a:p>
+            <a:endParaRPr lang="en-US" altLang="ko-KR" dirty="0"/>
+          </a:p>
+          <a:p>
+            <a:r>
+              <a:rPr lang="en-US" altLang="ko-KR" dirty="0"/>
+              <a:t> 1.</a:t>
+            </a:r>
+            <a:r>
+              <a:rPr lang="ko-KR" altLang="en-US" dirty="0"/>
+              <a:t> 창을 최대화 하는 경우</a:t>
+            </a:r>
+            <a:endParaRPr lang="en-US" altLang="ko-KR" dirty="0"/>
+          </a:p>
+          <a:p>
+            <a:r>
+              <a:rPr lang="en-US" altLang="ko-KR" dirty="0"/>
+              <a:t> 2. </a:t>
+            </a:r>
+            <a:r>
+              <a:rPr lang="ko-KR" altLang="en-US" dirty="0"/>
+              <a:t>창을 최소화 하는 경우</a:t>
+            </a:r>
+            <a:endParaRPr lang="en-US" altLang="ko-KR" dirty="0"/>
+          </a:p>
+          <a:p>
+            <a:r>
+              <a:rPr lang="en-US" altLang="ko-KR" dirty="0"/>
+              <a:t> 3. </a:t>
+            </a:r>
+            <a:r>
+              <a:rPr lang="ko-KR" altLang="en-US" dirty="0"/>
+              <a:t>최소화된 창을 원래 크기로 복원하는 경우</a:t>
+            </a:r>
+            <a:endParaRPr lang="en-US" altLang="ko-KR" dirty="0"/>
+          </a:p>
+          <a:p>
+            <a:r>
+              <a:rPr lang="en-US" altLang="ko-KR" dirty="0"/>
+              <a:t> (</a:t>
+            </a:r>
+            <a:r>
+              <a:rPr lang="ko-KR" altLang="en-US" dirty="0"/>
+              <a:t>다른 창이 화면을 가리는 경우 </a:t>
+            </a:r>
+            <a:r>
+              <a:rPr lang="en-US" altLang="ko-KR" dirty="0">
+                <a:sym typeface="Wingdings" panose="05000000000000000000" pitchFamily="2" charset="2"/>
+              </a:rPr>
+              <a:t> </a:t>
+            </a:r>
+            <a:r>
+              <a:rPr lang="ko-KR" altLang="en-US" dirty="0">
+                <a:sym typeface="Wingdings" panose="05000000000000000000" pitchFamily="2" charset="2"/>
+              </a:rPr>
+              <a:t>윈도우 </a:t>
+            </a:r>
+            <a:r>
+              <a:rPr lang="en-US" altLang="ko-KR" dirty="0">
+                <a:sym typeface="Wingdings" panose="05000000000000000000" pitchFamily="2" charset="2"/>
+              </a:rPr>
+              <a:t>10 </a:t>
+            </a:r>
+            <a:r>
+              <a:rPr lang="ko-KR" altLang="en-US" dirty="0">
+                <a:sym typeface="Wingdings" panose="05000000000000000000" pitchFamily="2" charset="2"/>
+              </a:rPr>
+              <a:t>이후부터 지원</a:t>
+            </a:r>
+            <a:r>
+              <a:rPr lang="en-US" altLang="ko-KR" dirty="0">
+                <a:sym typeface="Wingdings" panose="05000000000000000000" pitchFamily="2" charset="2"/>
+              </a:rPr>
+              <a:t>)</a:t>
+            </a:r>
+          </a:p>
+          <a:p>
+            <a:r>
+              <a:rPr lang="en-US" altLang="ko-KR" dirty="0">
+                <a:sym typeface="Wingdings" panose="05000000000000000000" pitchFamily="2" charset="2"/>
+              </a:rPr>
+              <a:t> 4. </a:t>
+            </a:r>
+            <a:r>
+              <a:rPr lang="ko-KR" altLang="en-US" dirty="0">
+                <a:sym typeface="Wingdings" panose="05000000000000000000" pitchFamily="2" charset="2"/>
+              </a:rPr>
+              <a:t>윈도우 창의 크기 조절하는 경우</a:t>
+            </a:r>
+            <a:endParaRPr lang="en-US" altLang="ko-KR" dirty="0">
+              <a:sym typeface="Wingdings" panose="05000000000000000000" pitchFamily="2" charset="2"/>
+            </a:endParaRPr>
+          </a:p>
+          <a:p>
+            <a:r>
+              <a:rPr lang="en-US" altLang="ko-KR" dirty="0">
+                <a:sym typeface="Wingdings" panose="05000000000000000000" pitchFamily="2" charset="2"/>
+              </a:rPr>
+              <a:t> 5. </a:t>
+            </a:r>
+            <a:r>
+              <a:rPr lang="ko-KR" altLang="en-US" dirty="0">
+                <a:sym typeface="Wingdings" panose="05000000000000000000" pitchFamily="2" charset="2"/>
+              </a:rPr>
+              <a:t>프로그래머가 요청한 경우</a:t>
+            </a:r>
+            <a:endParaRPr lang="ko-KR" altLang="en-US" dirty="0"/>
+          </a:p>
+        </p:txBody>
+      </p:sp>
+      <mc:AlternateContent xmlns:mc="http://schemas.openxmlformats.org/markup-compatibility/2006">
+        <mc:Choice xmlns:p14="http://schemas.microsoft.com/office/powerpoint/2010/main" Requires="p14">
+          <p:contentPart p14:bwMode="auto" r:id="rId2">
+            <p14:nvContentPartPr>
+              <p14:cNvPr id="4" name="잉크 3">
+                <a:extLst>
+                  <a:ext uri="{FF2B5EF4-FFF2-40B4-BE49-F238E27FC236}">
+                    <a16:creationId xmlns:a16="http://schemas.microsoft.com/office/drawing/2014/main" id="{99772BB4-9FA9-4F21-8968-90A652E51676}"/>
+                  </a:ext>
+                </a:extLst>
+              </p14:cNvPr>
+              <p14:cNvContentPartPr/>
+              <p14:nvPr/>
+            </p14:nvContentPartPr>
+            <p14:xfrm>
+              <a:off x="1289160" y="1231920"/>
+              <a:ext cx="10324440" cy="2624760"/>
+            </p14:xfrm>
+          </p:contentPart>
+        </mc:Choice>
+        <mc:Fallback>
+          <p:pic>
+            <p:nvPicPr>
+              <p:cNvPr id="4" name="잉크 3">
+                <a:extLst>
+                  <a:ext uri="{FF2B5EF4-FFF2-40B4-BE49-F238E27FC236}">
+                    <a16:creationId xmlns:a16="http://schemas.microsoft.com/office/drawing/2014/main" id="{99772BB4-9FA9-4F21-8968-90A652E51676}"/>
+                  </a:ext>
+                </a:extLst>
+              </p:cNvPr>
+              <p:cNvPicPr/>
+              <p:nvPr/>
+            </p:nvPicPr>
+            <p:blipFill>
+              <a:blip r:embed="rId3"/>
+              <a:stretch>
+                <a:fillRect/>
+              </a:stretch>
+            </p:blipFill>
+            <p:spPr>
+              <a:xfrm>
+                <a:off x="1279800" y="1222560"/>
+                <a:ext cx="10343160" cy="2643480"/>
+              </a:xfrm>
+              <a:prstGeom prst="rect">
+                <a:avLst/>
+              </a:prstGeom>
+            </p:spPr>
+          </p:pic>
+        </mc:Fallback>
+      </mc:AlternateContent>
+    </p:spTree>
+    <p:extLst>
+      <p:ext uri="{BB962C8B-B14F-4D97-AF65-F5344CB8AC3E}">
+        <p14:creationId xmlns:p14="http://schemas.microsoft.com/office/powerpoint/2010/main" val="125850898"/>
+      </p:ext>
+    </p:extLst>
+  </p:cSld>
+  <p:clrMapOvr>
+    <a:masterClrMapping/>
+  </p:clrMapOvr>
+</p:sld>
+</file>
+
+<file path=ppt/slides/slide8.xml><?xml version="1.0" encoding="utf-8"?>
+<p:sld xmlns:a="http://schemas.openxmlformats.org/drawingml/2006/main" xmlns:r="http://schemas.openxmlformats.org/officeDocument/2006/relationships" xmlns:p="http://schemas.openxmlformats.org/presentationml/2006/main">
+  <p:cSld>
+    <p:spTree>
+      <p:nvGrpSpPr>
+        <p:cNvPr id="1" name=""/>
+        <p:cNvGrpSpPr/>
+        <p:nvPr/>
+      </p:nvGrpSpPr>
+      <p:grpSpPr>
+        <a:xfrm>
+          <a:off x="0" y="0"/>
+          <a:ext cx="0" cy="0"/>
+          <a:chOff x="0" y="0"/>
+          <a:chExt cx="0" cy="0"/>
+        </a:xfrm>
+      </p:grpSpPr>
+      <p:sp>
+        <p:nvSpPr>
+          <p:cNvPr id="2" name="제목 1">
+            <a:extLst>
+              <a:ext uri="{FF2B5EF4-FFF2-40B4-BE49-F238E27FC236}">
+                <a16:creationId xmlns:a16="http://schemas.microsoft.com/office/drawing/2014/main" id="{4665B058-8E82-469F-A83B-F456939A3B6A}"/>
+              </a:ext>
+            </a:extLst>
+          </p:cNvPr>
+          <p:cNvSpPr>
+            <a:spLocks noGrp="1"/>
+          </p:cNvSpPr>
+          <p:nvPr>
+            <p:ph type="title"/>
+          </p:nvPr>
+        </p:nvSpPr>
+        <p:spPr/>
+        <p:txBody>
+          <a:bodyPr/>
+          <a:lstStyle/>
+          <a:p>
+            <a:r>
+              <a:rPr lang="en-US" altLang="ko-KR" dirty="0"/>
+              <a:t>RECT</a:t>
+            </a:r>
+            <a:r>
+              <a:rPr lang="ko-KR" altLang="en-US" dirty="0"/>
+              <a:t> 자료형</a:t>
+            </a:r>
+          </a:p>
+        </p:txBody>
+      </p:sp>
+      <p:sp>
+        <p:nvSpPr>
+          <p:cNvPr id="3" name="내용 개체 틀 2">
+            <a:extLst>
+              <a:ext uri="{FF2B5EF4-FFF2-40B4-BE49-F238E27FC236}">
+                <a16:creationId xmlns:a16="http://schemas.microsoft.com/office/drawing/2014/main" id="{E2A653A9-8D49-41D0-B119-17837C930E9B}"/>
+              </a:ext>
+            </a:extLst>
+          </p:cNvPr>
+          <p:cNvSpPr>
+            <a:spLocks noGrp="1"/>
+          </p:cNvSpPr>
+          <p:nvPr>
+            <p:ph idx="1"/>
+          </p:nvPr>
+        </p:nvSpPr>
+        <p:spPr>
+          <a:xfrm>
+            <a:off x="838200" y="1825625"/>
+            <a:ext cx="10515600" cy="1261270"/>
+          </a:xfrm>
+        </p:spPr>
+        <p:txBody>
+          <a:bodyPr/>
+          <a:lstStyle/>
+          <a:p>
+            <a:r>
+              <a:rPr lang="en-US" altLang="ko-KR" dirty="0"/>
+              <a:t> </a:t>
+            </a:r>
+            <a:r>
+              <a:rPr lang="ko-KR" altLang="en-US" dirty="0"/>
+              <a:t>사각형의 좌표 표현을 위한 멤버로 구성된 구조체</a:t>
+            </a:r>
+            <a:endParaRPr lang="en-US" altLang="ko-KR" dirty="0"/>
+          </a:p>
+          <a:p>
+            <a:pPr lvl="1"/>
+            <a:r>
+              <a:rPr lang="en-US" altLang="ko-KR" dirty="0"/>
+              <a:t> left, top, right, bottom</a:t>
+            </a:r>
+            <a:endParaRPr lang="ko-KR" altLang="en-US" dirty="0"/>
+          </a:p>
+        </p:txBody>
+      </p:sp>
+      <p:sp>
+        <p:nvSpPr>
+          <p:cNvPr id="4" name="직사각형 3">
+            <a:extLst>
+              <a:ext uri="{FF2B5EF4-FFF2-40B4-BE49-F238E27FC236}">
+                <a16:creationId xmlns:a16="http://schemas.microsoft.com/office/drawing/2014/main" id="{AE29B167-070D-4C11-860B-22C0FF5B96CA}"/>
+              </a:ext>
+            </a:extLst>
+          </p:cNvPr>
+          <p:cNvSpPr/>
+          <p:nvPr/>
+        </p:nvSpPr>
+        <p:spPr>
+          <a:xfrm>
+            <a:off x="3479800" y="3429000"/>
+            <a:ext cx="2895600" cy="1879600"/>
+          </a:xfrm>
+          <a:prstGeom prst="rect">
+            <a:avLst/>
+          </a:prstGeom>
+        </p:spPr>
+        <p:style>
+          <a:lnRef idx="2">
+            <a:schemeClr val="accent1">
+              <a:shade val="50000"/>
+            </a:schemeClr>
+          </a:lnRef>
+          <a:fillRef idx="1">
+            <a:schemeClr val="accent1"/>
+          </a:fillRef>
+          <a:effectRef idx="0">
+            <a:schemeClr val="accent1"/>
+          </a:effectRef>
+          <a:fontRef idx="minor">
+            <a:schemeClr val="lt1"/>
+          </a:fontRef>
+        </p:style>
+        <p:txBody>
+          <a:bodyPr rtlCol="0" anchor="ctr"/>
+          <a:lstStyle/>
+          <a:p>
+            <a:pPr algn="ctr"/>
+            <a:endParaRPr lang="ko-KR" altLang="en-US"/>
+          </a:p>
+        </p:txBody>
+      </p:sp>
+      <p:sp>
+        <p:nvSpPr>
+          <p:cNvPr id="5" name="타원 4">
+            <a:extLst>
+              <a:ext uri="{FF2B5EF4-FFF2-40B4-BE49-F238E27FC236}">
+                <a16:creationId xmlns:a16="http://schemas.microsoft.com/office/drawing/2014/main" id="{97576B79-6407-40E2-843F-71C89F957CE1}"/>
+              </a:ext>
+            </a:extLst>
+          </p:cNvPr>
+          <p:cNvSpPr/>
+          <p:nvPr/>
+        </p:nvSpPr>
+        <p:spPr>
+          <a:xfrm>
+            <a:off x="3352800" y="3294063"/>
+            <a:ext cx="381000" cy="414337"/>
+          </a:xfrm>
+          <a:prstGeom prst="ellipse">
+            <a:avLst/>
+          </a:prstGeom>
+          <a:solidFill>
+            <a:schemeClr val="accent2"/>
+          </a:solidFill>
+        </p:spPr>
+        <p:style>
+          <a:lnRef idx="2">
+            <a:schemeClr val="accent1">
+              <a:shade val="50000"/>
+            </a:schemeClr>
+          </a:lnRef>
+          <a:fillRef idx="1">
+            <a:schemeClr val="accent1"/>
+          </a:fillRef>
+          <a:effectRef idx="0">
+            <a:schemeClr val="accent1"/>
+          </a:effectRef>
+          <a:fontRef idx="minor">
+            <a:schemeClr val="lt1"/>
+          </a:fontRef>
+        </p:style>
+        <p:txBody>
+          <a:bodyPr rtlCol="0" anchor="ctr"/>
+          <a:lstStyle/>
+          <a:p>
+            <a:pPr algn="ctr"/>
+            <a:endParaRPr lang="ko-KR" altLang="en-US"/>
+          </a:p>
+        </p:txBody>
+      </p:sp>
+      <p:sp>
+        <p:nvSpPr>
+          <p:cNvPr id="6" name="타원 5">
+            <a:extLst>
+              <a:ext uri="{FF2B5EF4-FFF2-40B4-BE49-F238E27FC236}">
+                <a16:creationId xmlns:a16="http://schemas.microsoft.com/office/drawing/2014/main" id="{1D8D1A55-3EEF-4540-A1C6-BA1005308706}"/>
+              </a:ext>
+            </a:extLst>
+          </p:cNvPr>
+          <p:cNvSpPr/>
+          <p:nvPr/>
+        </p:nvSpPr>
+        <p:spPr>
+          <a:xfrm>
+            <a:off x="6184900" y="5101431"/>
+            <a:ext cx="381000" cy="414337"/>
+          </a:xfrm>
+          <a:prstGeom prst="ellipse">
+            <a:avLst/>
+          </a:prstGeom>
+          <a:solidFill>
+            <a:schemeClr val="accent2"/>
+          </a:solidFill>
+        </p:spPr>
+        <p:style>
+          <a:lnRef idx="2">
+            <a:schemeClr val="accent1">
+              <a:shade val="50000"/>
+            </a:schemeClr>
+          </a:lnRef>
+          <a:fillRef idx="1">
+            <a:schemeClr val="accent1"/>
+          </a:fillRef>
+          <a:effectRef idx="0">
+            <a:schemeClr val="accent1"/>
+          </a:effectRef>
+          <a:fontRef idx="minor">
+            <a:schemeClr val="lt1"/>
+          </a:fontRef>
+        </p:style>
+        <p:txBody>
+          <a:bodyPr rtlCol="0" anchor="ctr"/>
+          <a:lstStyle/>
+          <a:p>
+            <a:pPr algn="ctr"/>
+            <a:endParaRPr lang="ko-KR" altLang="en-US"/>
+          </a:p>
+        </p:txBody>
+      </p:sp>
+      <p:sp>
+        <p:nvSpPr>
+          <p:cNvPr id="7" name="TextBox 6">
+            <a:extLst>
+              <a:ext uri="{FF2B5EF4-FFF2-40B4-BE49-F238E27FC236}">
+                <a16:creationId xmlns:a16="http://schemas.microsoft.com/office/drawing/2014/main" id="{FD9C2AFC-3EF9-4646-946B-8CBF02456FBD}"/>
+              </a:ext>
+            </a:extLst>
+          </p:cNvPr>
+          <p:cNvSpPr txBox="1"/>
+          <p:nvPr/>
+        </p:nvSpPr>
+        <p:spPr>
+          <a:xfrm>
+            <a:off x="1903385" y="3244334"/>
+            <a:ext cx="1512915" cy="369332"/>
+          </a:xfrm>
+          <a:prstGeom prst="rect">
+            <a:avLst/>
+          </a:prstGeom>
+          <a:noFill/>
+        </p:spPr>
+        <p:txBody>
+          <a:bodyPr wrap="none" rtlCol="0">
+            <a:spAutoFit/>
+          </a:bodyPr>
+          <a:lstStyle/>
+          <a:p>
+            <a:r>
+              <a:rPr lang="en-US" altLang="ko-KR" dirty="0"/>
+              <a:t>left(x), top(y)</a:t>
+            </a:r>
+            <a:endParaRPr lang="ko-KR" altLang="en-US" dirty="0"/>
+          </a:p>
+        </p:txBody>
+      </p:sp>
+      <p:sp>
+        <p:nvSpPr>
+          <p:cNvPr id="8" name="TextBox 7">
+            <a:extLst>
+              <a:ext uri="{FF2B5EF4-FFF2-40B4-BE49-F238E27FC236}">
+                <a16:creationId xmlns:a16="http://schemas.microsoft.com/office/drawing/2014/main" id="{6C01BC9E-2D38-4141-8B01-C8B7684704F1}"/>
+              </a:ext>
+            </a:extLst>
+          </p:cNvPr>
+          <p:cNvSpPr txBox="1"/>
+          <p:nvPr/>
+        </p:nvSpPr>
+        <p:spPr>
+          <a:xfrm>
+            <a:off x="6565900" y="5101431"/>
+            <a:ext cx="2087110" cy="369332"/>
+          </a:xfrm>
+          <a:prstGeom prst="rect">
+            <a:avLst/>
+          </a:prstGeom>
+          <a:noFill/>
+        </p:spPr>
+        <p:txBody>
+          <a:bodyPr wrap="none" rtlCol="0">
+            <a:spAutoFit/>
+          </a:bodyPr>
+          <a:lstStyle/>
+          <a:p>
+            <a:r>
+              <a:rPr lang="en-US" altLang="ko-KR" dirty="0"/>
+              <a:t>right(x), bottom(y)</a:t>
+            </a:r>
+            <a:endParaRPr lang="ko-KR" altLang="en-US" dirty="0"/>
+          </a:p>
+        </p:txBody>
+      </p:sp>
+    </p:spTree>
+    <p:extLst>
+      <p:ext uri="{BB962C8B-B14F-4D97-AF65-F5344CB8AC3E}">
+        <p14:creationId xmlns:p14="http://schemas.microsoft.com/office/powerpoint/2010/main" val="4209988287"/>
+      </p:ext>
+    </p:extLst>
+  </p:cSld>
+  <p:clrMapOvr>
+    <a:masterClrMapping/>
+  </p:clrMapOvr>
+</p:sld>
+</file>
+
+<file path=ppt/slides/slide9.xml><?xml version="1.0" encoding="utf-8"?>
+<p:sld xmlns:a="http://schemas.openxmlformats.org/drawingml/2006/main" xmlns:r="http://schemas.openxmlformats.org/officeDocument/2006/relationships" xmlns:p="http://schemas.openxmlformats.org/presentationml/2006/main">
+  <p:cSld>
+    <p:spTree>
+      <p:nvGrpSpPr>
+        <p:cNvPr id="1" name=""/>
+        <p:cNvGrpSpPr/>
+        <p:nvPr/>
+      </p:nvGrpSpPr>
+      <p:grpSpPr>
+        <a:xfrm>
+          <a:off x="0" y="0"/>
+          <a:ext cx="0" cy="0"/>
+          <a:chOff x="0" y="0"/>
+          <a:chExt cx="0" cy="0"/>
+        </a:xfrm>
+      </p:grpSpPr>
+      <p:sp>
+        <p:nvSpPr>
+          <p:cNvPr id="2" name="제목 1">
+            <a:extLst>
+              <a:ext uri="{FF2B5EF4-FFF2-40B4-BE49-F238E27FC236}">
+                <a16:creationId xmlns:a16="http://schemas.microsoft.com/office/drawing/2014/main" id="{8E15052A-7A25-47DD-A2BF-3D264996A133}"/>
+              </a:ext>
+            </a:extLst>
+          </p:cNvPr>
+          <p:cNvSpPr>
+            <a:spLocks noGrp="1"/>
+          </p:cNvSpPr>
+          <p:nvPr>
+            <p:ph type="title"/>
+          </p:nvPr>
+        </p:nvSpPr>
+        <p:spPr/>
+        <p:txBody>
+          <a:bodyPr/>
+          <a:lstStyle/>
+          <a:p>
+            <a:r>
+              <a:rPr lang="ko-KR" altLang="en-US" dirty="0"/>
+              <a:t>키보드</a:t>
+            </a:r>
+            <a:r>
+              <a:rPr lang="en-US" altLang="ko-KR" dirty="0"/>
+              <a:t> </a:t>
+            </a:r>
+            <a:r>
+              <a:rPr lang="ko-KR" altLang="en-US" dirty="0"/>
+              <a:t>메시지 처리</a:t>
+            </a:r>
+          </a:p>
+        </p:txBody>
+      </p:sp>
+      <p:sp>
+        <p:nvSpPr>
+          <p:cNvPr id="3" name="내용 개체 틀 2">
+            <a:extLst>
+              <a:ext uri="{FF2B5EF4-FFF2-40B4-BE49-F238E27FC236}">
+                <a16:creationId xmlns:a16="http://schemas.microsoft.com/office/drawing/2014/main" id="{A78795B1-28E6-482D-B33F-EDAB8FE0D79B}"/>
+              </a:ext>
+            </a:extLst>
+          </p:cNvPr>
+          <p:cNvSpPr>
+            <a:spLocks noGrp="1"/>
+          </p:cNvSpPr>
+          <p:nvPr>
+            <p:ph idx="1"/>
+          </p:nvPr>
+        </p:nvSpPr>
+        <p:spPr/>
+        <p:txBody>
+          <a:bodyPr/>
+          <a:lstStyle/>
+          <a:p>
+            <a:r>
+              <a:rPr lang="en-US" altLang="ko-KR" dirty="0"/>
+              <a:t> </a:t>
+            </a:r>
+            <a:r>
+              <a:rPr lang="ko-KR" altLang="en-US" dirty="0"/>
+              <a:t>키보드</a:t>
+            </a:r>
+            <a:endParaRPr lang="en-US" altLang="ko-KR" dirty="0"/>
+          </a:p>
+          <a:p>
+            <a:pPr lvl="1"/>
+            <a:r>
+              <a:rPr lang="en-US" altLang="ko-KR" dirty="0"/>
+              <a:t> </a:t>
+            </a:r>
+            <a:r>
+              <a:rPr lang="ko-KR" altLang="en-US" dirty="0"/>
+              <a:t>물리적인 키보드 </a:t>
+            </a:r>
+            <a:r>
+              <a:rPr lang="en-US" altLang="ko-KR" dirty="0"/>
+              <a:t>: </a:t>
+            </a:r>
+            <a:r>
+              <a:rPr lang="ko-KR" altLang="en-US" dirty="0"/>
+              <a:t>실제로 우리가 사용하는 키보드</a:t>
+            </a:r>
+            <a:endParaRPr lang="en-US" altLang="ko-KR" dirty="0"/>
+          </a:p>
+          <a:p>
+            <a:pPr lvl="1"/>
+            <a:r>
+              <a:rPr lang="en-US" altLang="ko-KR" dirty="0"/>
+              <a:t> </a:t>
+            </a:r>
+            <a:r>
+              <a:rPr lang="ko-KR" altLang="en-US" dirty="0"/>
+              <a:t>논리적인 키보드 </a:t>
+            </a:r>
+            <a:r>
+              <a:rPr lang="en-US" altLang="ko-KR" dirty="0"/>
+              <a:t>: OS</a:t>
+            </a:r>
+            <a:r>
+              <a:rPr lang="ko-KR" altLang="en-US" dirty="0"/>
+              <a:t>가 보고 있는 키보드</a:t>
+            </a:r>
+            <a:endParaRPr lang="en-US" altLang="ko-KR" dirty="0"/>
+          </a:p>
+          <a:p>
+            <a:pPr lvl="2"/>
+            <a:r>
+              <a:rPr lang="en-US" altLang="ko-KR" dirty="0"/>
+              <a:t> </a:t>
+            </a:r>
+            <a:r>
+              <a:rPr lang="ko-KR" altLang="en-US" dirty="0"/>
+              <a:t>가상 키보드</a:t>
+            </a:r>
+            <a:r>
+              <a:rPr lang="en-US" altLang="ko-KR" dirty="0"/>
+              <a:t>(Virtual Keyboard) : VK_* </a:t>
+            </a:r>
+            <a:r>
+              <a:rPr lang="ko-KR" altLang="en-US" dirty="0"/>
+              <a:t>형식으로 입력 키 확인</a:t>
+            </a:r>
+            <a:endParaRPr lang="en-US" altLang="ko-KR" dirty="0"/>
+          </a:p>
+          <a:p>
+            <a:pPr lvl="1"/>
+            <a:r>
+              <a:rPr lang="en-US" altLang="ko-KR" dirty="0"/>
+              <a:t> IME(Input Method Environment)</a:t>
+            </a:r>
+          </a:p>
+          <a:p>
+            <a:pPr lvl="1"/>
+            <a:endParaRPr lang="en-US" altLang="ko-KR" dirty="0"/>
+          </a:p>
+          <a:p>
+            <a:pPr lvl="1"/>
+            <a:r>
+              <a:rPr lang="en-US" altLang="ko-KR" dirty="0"/>
+              <a:t> </a:t>
+            </a:r>
+            <a:r>
+              <a:rPr lang="ko-KR" altLang="en-US" dirty="0"/>
+              <a:t>물리 키보드는 단순 전기 신호만 전달</a:t>
+            </a:r>
+            <a:r>
+              <a:rPr lang="en-US" altLang="ko-KR" dirty="0"/>
+              <a:t>!</a:t>
+            </a:r>
+          </a:p>
+          <a:p>
+            <a:pPr lvl="1"/>
+            <a:r>
+              <a:rPr lang="en-US" altLang="ko-KR" dirty="0"/>
+              <a:t> OS</a:t>
+            </a:r>
+            <a:r>
+              <a:rPr lang="ko-KR" altLang="en-US" dirty="0"/>
+              <a:t>가 해석해서 실제 정보로 가공하여 프로그램에 전달</a:t>
+            </a:r>
+          </a:p>
+        </p:txBody>
+      </p:sp>
+    </p:spTree>
+    <p:extLst>
+      <p:ext uri="{BB962C8B-B14F-4D97-AF65-F5344CB8AC3E}">
+        <p14:creationId xmlns:p14="http://schemas.microsoft.com/office/powerpoint/2010/main" val="2660506356"/>
       </p:ext>
     </p:extLst>
   </p:cSld>
